--- a/reactproj1.pptx
+++ b/reactproj1.pptx
@@ -7,6 +7,7 @@
   <p:sldIdLst>
     <p:sldId id="256" r:id="rId2"/>
     <p:sldId id="257" r:id="rId3"/>
+    <p:sldId id="258" r:id="rId4"/>
   </p:sldIdLst>
   <p:sldSz cx="12192000" cy="6858000"/>
   <p:notesSz cx="6858000" cy="9144000"/>
@@ -3253,19 +3254,7 @@
             </a:pPr>
             <a:r>
               <a:rPr lang="en-US" dirty="0" smtClean="0"/>
-              <a:t>Run command </a:t>
-            </a:r>
-            <a:r>
-              <a:rPr lang="en-US" smtClean="0"/>
-              <a:t>as  </a:t>
-            </a:r>
-            <a:r>
-              <a:rPr lang="en-US" smtClean="0">
-                <a:solidFill>
-                  <a:srgbClr val="00B0F0"/>
-                </a:solidFill>
-              </a:rPr>
-              <a:t>:\&gt; yarn </a:t>
+              <a:t>Run command as  </a:t>
             </a:r>
             <a:r>
               <a:rPr lang="en-US" dirty="0" smtClean="0">
@@ -3273,13 +3262,18 @@
                   <a:srgbClr val="00B0F0"/>
                 </a:solidFill>
               </a:rPr>
-              <a:t>start  </a:t>
-            </a:r>
-            <a:endParaRPr lang="en-US" dirty="0" smtClean="0">
-              <a:solidFill>
-                <a:srgbClr val="00B0F0"/>
-              </a:solidFill>
-            </a:endParaRPr>
+              <a:t>:\&gt; yarn start  </a:t>
+            </a:r>
+          </a:p>
+          <a:p>
+            <a:pPr marL="914400" lvl="1" indent="-457200">
+              <a:buFont typeface="+mj-lt"/>
+              <a:buAutoNum type="arabicPeriod"/>
+            </a:pPr>
+            <a:r>
+              <a:rPr lang="en-US" dirty="0" smtClean="0"/>
+              <a:t>Now Project is ready to run and we can edit app.js</a:t>
+            </a:r>
           </a:p>
           <a:p>
             <a:pPr marL="914400" lvl="1" indent="-457200">
@@ -3298,6 +3292,327 @@
     <p:extLst>
       <p:ext uri="{BB962C8B-B14F-4D97-AF65-F5344CB8AC3E}">
         <p14:creationId xmlns:p14="http://schemas.microsoft.com/office/powerpoint/2010/main" val="4258577109"/>
+      </p:ext>
+    </p:extLst>
+  </p:cSld>
+  <p:clrMapOvr>
+    <a:masterClrMapping/>
+  </p:clrMapOvr>
+</p:sld>
+</file>
+
+<file path=ppt/slides/slide3.xml><?xml version="1.0" encoding="utf-8"?>
+<p:sld xmlns:a="http://schemas.openxmlformats.org/drawingml/2006/main" xmlns:r="http://schemas.openxmlformats.org/officeDocument/2006/relationships" xmlns:p="http://schemas.openxmlformats.org/presentationml/2006/main">
+  <p:cSld>
+    <p:spTree>
+      <p:nvGrpSpPr>
+        <p:cNvPr id="1" name=""/>
+        <p:cNvGrpSpPr/>
+        <p:nvPr/>
+      </p:nvGrpSpPr>
+      <p:grpSpPr>
+        <a:xfrm>
+          <a:off x="0" y="0"/>
+          <a:ext cx="0" cy="0"/>
+          <a:chOff x="0" y="0"/>
+          <a:chExt cx="0" cy="0"/>
+        </a:xfrm>
+      </p:grpSpPr>
+      <p:sp>
+        <p:nvSpPr>
+          <p:cNvPr id="2" name="Title 1"/>
+          <p:cNvSpPr>
+            <a:spLocks noGrp="1"/>
+          </p:cNvSpPr>
+          <p:nvPr>
+            <p:ph type="title"/>
+          </p:nvPr>
+        </p:nvSpPr>
+        <p:spPr/>
+        <p:txBody>
+          <a:bodyPr/>
+          <a:lstStyle/>
+          <a:p>
+            <a:r>
+              <a:rPr lang="en-US" dirty="0" err="1" smtClean="0"/>
+              <a:t>useState</a:t>
+            </a:r>
+            <a:endParaRPr lang="en-US" dirty="0"/>
+          </a:p>
+        </p:txBody>
+      </p:sp>
+      <p:sp>
+        <p:nvSpPr>
+          <p:cNvPr id="3" name="Content Placeholder 2"/>
+          <p:cNvSpPr>
+            <a:spLocks noGrp="1"/>
+          </p:cNvSpPr>
+          <p:nvPr>
+            <p:ph idx="1"/>
+          </p:nvPr>
+        </p:nvSpPr>
+        <p:spPr/>
+        <p:txBody>
+          <a:bodyPr>
+            <a:normAutofit fontScale="92500"/>
+          </a:bodyPr>
+          <a:lstStyle/>
+          <a:p>
+            <a:r>
+              <a:rPr lang="en-US" dirty="0" smtClean="0"/>
+              <a:t>What is </a:t>
+            </a:r>
+            <a:r>
+              <a:rPr lang="en-US" dirty="0" err="1" smtClean="0"/>
+              <a:t>useState</a:t>
+            </a:r>
+            <a:endParaRPr lang="en-US" dirty="0" smtClean="0"/>
+          </a:p>
+          <a:p>
+            <a:pPr lvl="1"/>
+            <a:r>
+              <a:rPr lang="en-US" dirty="0"/>
+              <a:t>There are a bunch of React hooks, but </a:t>
+            </a:r>
+            <a:r>
+              <a:rPr lang="en-US" dirty="0" err="1"/>
+              <a:t>useState</a:t>
+            </a:r>
+            <a:r>
+              <a:rPr lang="en-US" dirty="0"/>
+              <a:t> is the workhorse of the bunch</a:t>
+            </a:r>
+            <a:r>
+              <a:rPr lang="en-US" dirty="0" smtClean="0"/>
+              <a:t>.</a:t>
+            </a:r>
+          </a:p>
+          <a:p>
+            <a:pPr lvl="1"/>
+            <a:r>
+              <a:rPr lang="en-US" dirty="0" smtClean="0"/>
+              <a:t>The </a:t>
+            </a:r>
+            <a:r>
+              <a:rPr lang="en-US" dirty="0" err="1" smtClean="0"/>
+              <a:t>useState</a:t>
+            </a:r>
+            <a:r>
+              <a:rPr lang="en-US" dirty="0" smtClean="0"/>
+              <a:t> </a:t>
+            </a:r>
+            <a:r>
+              <a:rPr lang="en-US" dirty="0"/>
+              <a:t>hook lets you add state to function components</a:t>
+            </a:r>
+            <a:r>
+              <a:rPr lang="en-US" dirty="0" smtClean="0"/>
+              <a:t>.</a:t>
+            </a:r>
+          </a:p>
+          <a:p>
+            <a:pPr lvl="1"/>
+            <a:r>
+              <a:rPr lang="en-US" dirty="0" smtClean="0"/>
+              <a:t>Every </a:t>
+            </a:r>
+            <a:r>
+              <a:rPr lang="en-US" dirty="0"/>
+              <a:t>hook starts with the word “use</a:t>
+            </a:r>
+            <a:r>
+              <a:rPr lang="en-US" dirty="0" smtClean="0"/>
+              <a:t>”;</a:t>
+            </a:r>
+          </a:p>
+          <a:p>
+            <a:pPr lvl="1"/>
+            <a:r>
+              <a:rPr lang="en-US" dirty="0" smtClean="0"/>
+              <a:t>A </a:t>
+            </a:r>
+            <a:r>
+              <a:rPr lang="en-US" dirty="0"/>
+              <a:t>call to </a:t>
+            </a:r>
+            <a:r>
+              <a:rPr lang="en-US" dirty="0" err="1"/>
+              <a:t>useState</a:t>
+            </a:r>
+            <a:r>
+              <a:rPr lang="en-US" dirty="0"/>
+              <a:t> literally lets you “use state” in a function </a:t>
+            </a:r>
+            <a:r>
+              <a:rPr lang="en-US" dirty="0" smtClean="0"/>
+              <a:t>component</a:t>
+            </a:r>
+            <a:endParaRPr lang="en-US" dirty="0"/>
+          </a:p>
+          <a:p>
+            <a:pPr lvl="1"/>
+            <a:r>
+              <a:rPr lang="en-US" dirty="0" smtClean="0"/>
+              <a:t>With </a:t>
+            </a:r>
+            <a:r>
+              <a:rPr lang="en-US" dirty="0"/>
+              <a:t>hooks, the state can be </a:t>
+            </a:r>
+            <a:r>
+              <a:rPr lang="en-US" i="1" dirty="0"/>
+              <a:t>any</a:t>
+            </a:r>
+            <a:r>
+              <a:rPr lang="en-US" dirty="0"/>
+              <a:t> type you want – you can </a:t>
+            </a:r>
+            <a:r>
+              <a:rPr lang="en-US" dirty="0" err="1"/>
+              <a:t>useState</a:t>
+            </a:r>
+            <a:r>
+              <a:rPr lang="en-US" dirty="0"/>
+              <a:t> with an array, </a:t>
+            </a:r>
+            <a:r>
+              <a:rPr lang="en-US" dirty="0" err="1"/>
+              <a:t>useState</a:t>
+            </a:r>
+            <a:r>
+              <a:rPr lang="en-US" dirty="0"/>
+              <a:t> an object, a number, a </a:t>
+            </a:r>
+            <a:r>
+              <a:rPr lang="en-US" dirty="0" err="1"/>
+              <a:t>boolean</a:t>
+            </a:r>
+            <a:r>
+              <a:rPr lang="en-US" dirty="0"/>
+              <a:t>, a string, whatever you </a:t>
+            </a:r>
+            <a:r>
+              <a:rPr lang="en-US" dirty="0" smtClean="0"/>
+              <a:t>need.</a:t>
+            </a:r>
+          </a:p>
+          <a:p>
+            <a:pPr lvl="1"/>
+            <a:r>
+              <a:rPr lang="en-US" dirty="0"/>
+              <a:t>Each call </a:t>
+            </a:r>
+            <a:r>
+              <a:rPr lang="en-US" dirty="0" smtClean="0"/>
+              <a:t>to ‘</a:t>
+            </a:r>
+            <a:r>
+              <a:rPr lang="en-US" dirty="0" err="1" smtClean="0"/>
+              <a:t>useState</a:t>
+            </a:r>
+            <a:r>
+              <a:rPr lang="en-US" dirty="0" smtClean="0"/>
+              <a:t>’ </a:t>
+            </a:r>
+            <a:r>
+              <a:rPr lang="en-US" dirty="0" err="1"/>
+              <a:t>reates</a:t>
+            </a:r>
+            <a:r>
+              <a:rPr lang="en-US" dirty="0"/>
+              <a:t> a single piece of state, holding a single value of any type</a:t>
+            </a:r>
+            <a:r>
+              <a:rPr lang="en-US" dirty="0" smtClean="0"/>
+              <a:t>. And is perfect for local component state. &amp; a </a:t>
+            </a:r>
+            <a:r>
+              <a:rPr lang="en-US" dirty="0" err="1"/>
+              <a:t>nd</a:t>
+            </a:r>
+            <a:r>
+              <a:rPr lang="en-US" dirty="0"/>
+              <a:t> a small-</a:t>
+            </a:r>
+            <a:r>
+              <a:rPr lang="en-US" dirty="0" err="1"/>
+              <a:t>ish</a:t>
+            </a:r>
+            <a:r>
+              <a:rPr lang="en-US" dirty="0"/>
+              <a:t> amount of it</a:t>
+            </a:r>
+            <a:r>
+              <a:rPr lang="en-US" dirty="0" smtClean="0"/>
+              <a:t>.</a:t>
+            </a:r>
+          </a:p>
+          <a:p>
+            <a:pPr lvl="1"/>
+            <a:r>
+              <a:rPr lang="en-US" dirty="0"/>
+              <a:t>For a larger app, or one that you intend to scale up, you’ll probably want to augment </a:t>
+            </a:r>
+            <a:r>
+              <a:rPr lang="en-US" dirty="0" err="1"/>
+              <a:t>useState</a:t>
+            </a:r>
+            <a:r>
+              <a:rPr lang="en-US" dirty="0"/>
+              <a:t> with some </a:t>
+            </a:r>
+            <a:r>
+              <a:rPr lang="en-US" dirty="0" smtClean="0"/>
+              <a:t>other </a:t>
+            </a:r>
+            <a:r>
+              <a:rPr lang="en-US" b="1" dirty="0" smtClean="0"/>
+              <a:t>Advance  </a:t>
+            </a:r>
+            <a:r>
+              <a:rPr lang="en-US" b="1" dirty="0"/>
+              <a:t>state management</a:t>
+            </a:r>
+            <a:r>
+              <a:rPr lang="en-US" dirty="0"/>
+              <a:t> solutions</a:t>
+            </a:r>
+            <a:r>
+              <a:rPr lang="en-US" dirty="0" smtClean="0"/>
+              <a:t>. Like </a:t>
+            </a:r>
+            <a:r>
+              <a:rPr lang="en-US" dirty="0"/>
+              <a:t>Context? Redux? </a:t>
+            </a:r>
+            <a:r>
+              <a:rPr lang="en-US" dirty="0" err="1"/>
+              <a:t>MobX</a:t>
+            </a:r>
+            <a:r>
+              <a:rPr lang="en-US" dirty="0"/>
+              <a:t>? Recoil? </a:t>
+            </a:r>
+            <a:r>
+              <a:rPr lang="en-US" dirty="0" smtClean="0"/>
+              <a:t> 6 </a:t>
+            </a:r>
+            <a:r>
+              <a:rPr lang="en-US" dirty="0"/>
+              <a:t>most-used libraries</a:t>
+            </a:r>
+            <a:endParaRPr lang="en-US" dirty="0" smtClean="0"/>
+          </a:p>
+          <a:p>
+            <a:pPr lvl="1"/>
+            <a:endParaRPr lang="en-US" dirty="0"/>
+          </a:p>
+        </p:txBody>
+      </p:sp>
+    </p:spTree>
+    <p:extLst>
+      <p:ext uri="{BB962C8B-B14F-4D97-AF65-F5344CB8AC3E}">
+        <p14:creationId xmlns:p14="http://schemas.microsoft.com/office/powerpoint/2010/main" val="2823183177"/>
       </p:ext>
     </p:extLst>
   </p:cSld>

--- a/reactproj1.pptx
+++ b/reactproj1.pptx
@@ -8,6 +8,9 @@
     <p:sldId id="256" r:id="rId2"/>
     <p:sldId id="257" r:id="rId3"/>
     <p:sldId id="258" r:id="rId4"/>
+    <p:sldId id="260" r:id="rId5"/>
+    <p:sldId id="262" r:id="rId6"/>
+    <p:sldId id="259" r:id="rId7"/>
   </p:sldIdLst>
   <p:sldSz cx="12192000" cy="6858000"/>
   <p:notesSz cx="6858000" cy="9144000"/>
@@ -106,6 +109,11 @@
       </a:defRPr>
     </a:lvl9pPr>
   </p:defaultTextStyle>
+  <p:extLst>
+    <p:ext uri="{EFAFB233-063F-42B5-8137-9DF3F51BA10A}">
+      <p15:sldGuideLst xmlns:p15="http://schemas.microsoft.com/office/powerpoint/2012/main"/>
+    </p:ext>
+  </p:extLst>
 </p:presentation>
 </file>
 
@@ -151,10 +159,9 @@
           </a:lstStyle>
           <a:p>
             <a:r>
-              <a:rPr lang="en-US" smtClean="0"/>
+              <a:rPr lang="en-US"/>
               <a:t>Click to edit Master title style</a:t>
             </a:r>
-            <a:endParaRPr lang="en-US"/>
           </a:p>
         </p:txBody>
       </p:sp>
@@ -216,10 +223,9 @@
           </a:lstStyle>
           <a:p>
             <a:r>
-              <a:rPr lang="en-US" smtClean="0"/>
+              <a:rPr lang="en-US"/>
               <a:t>Click to edit Master subtitle style</a:t>
             </a:r>
-            <a:endParaRPr lang="en-US"/>
           </a:p>
         </p:txBody>
       </p:sp>
@@ -240,7 +246,7 @@
           <a:p>
             <a:fld id="{229136A7-1650-402A-838D-86A8E0EC0E26}" type="datetimeFigureOut">
               <a:rPr lang="en-US" smtClean="0"/>
-              <a:t>26/01/2021</a:t>
+              <a:t>27/01/2021</a:t>
             </a:fld>
             <a:endParaRPr lang="en-US"/>
           </a:p>
@@ -334,10 +340,9 @@
           <a:lstStyle/>
           <a:p>
             <a:r>
-              <a:rPr lang="en-US" smtClean="0"/>
+              <a:rPr lang="en-US"/>
               <a:t>Click to edit Master title style</a:t>
             </a:r>
-            <a:endParaRPr lang="en-US"/>
           </a:p>
         </p:txBody>
       </p:sp>
@@ -358,38 +363,37 @@
           <a:p>
             <a:pPr lvl="0"/>
             <a:r>
-              <a:rPr lang="en-US" smtClean="0"/>
+              <a:rPr lang="en-US"/>
               <a:t>Click to edit Master text styles</a:t>
             </a:r>
           </a:p>
           <a:p>
             <a:pPr lvl="1"/>
             <a:r>
-              <a:rPr lang="en-US" smtClean="0"/>
+              <a:rPr lang="en-US"/>
               <a:t>Second level</a:t>
             </a:r>
           </a:p>
           <a:p>
             <a:pPr lvl="2"/>
             <a:r>
-              <a:rPr lang="en-US" smtClean="0"/>
+              <a:rPr lang="en-US"/>
               <a:t>Third level</a:t>
             </a:r>
           </a:p>
           <a:p>
             <a:pPr lvl="3"/>
             <a:r>
-              <a:rPr lang="en-US" smtClean="0"/>
+              <a:rPr lang="en-US"/>
               <a:t>Fourth level</a:t>
             </a:r>
           </a:p>
           <a:p>
             <a:pPr lvl="4"/>
             <a:r>
-              <a:rPr lang="en-US" smtClean="0"/>
+              <a:rPr lang="en-US"/>
               <a:t>Fifth level</a:t>
             </a:r>
-            <a:endParaRPr lang="en-US"/>
           </a:p>
         </p:txBody>
       </p:sp>
@@ -410,7 +414,7 @@
           <a:p>
             <a:fld id="{229136A7-1650-402A-838D-86A8E0EC0E26}" type="datetimeFigureOut">
               <a:rPr lang="en-US" smtClean="0"/>
-              <a:t>26/01/2021</a:t>
+              <a:t>27/01/2021</a:t>
             </a:fld>
             <a:endParaRPr lang="en-US"/>
           </a:p>
@@ -509,10 +513,9 @@
           <a:lstStyle/>
           <a:p>
             <a:r>
-              <a:rPr lang="en-US" smtClean="0"/>
+              <a:rPr lang="en-US"/>
               <a:t>Click to edit Master title style</a:t>
             </a:r>
-            <a:endParaRPr lang="en-US"/>
           </a:p>
         </p:txBody>
       </p:sp>
@@ -538,38 +541,37 @@
           <a:p>
             <a:pPr lvl="0"/>
             <a:r>
-              <a:rPr lang="en-US" smtClean="0"/>
+              <a:rPr lang="en-US"/>
               <a:t>Click to edit Master text styles</a:t>
             </a:r>
           </a:p>
           <a:p>
             <a:pPr lvl="1"/>
             <a:r>
-              <a:rPr lang="en-US" smtClean="0"/>
+              <a:rPr lang="en-US"/>
               <a:t>Second level</a:t>
             </a:r>
           </a:p>
           <a:p>
             <a:pPr lvl="2"/>
             <a:r>
-              <a:rPr lang="en-US" smtClean="0"/>
+              <a:rPr lang="en-US"/>
               <a:t>Third level</a:t>
             </a:r>
           </a:p>
           <a:p>
             <a:pPr lvl="3"/>
             <a:r>
-              <a:rPr lang="en-US" smtClean="0"/>
+              <a:rPr lang="en-US"/>
               <a:t>Fourth level</a:t>
             </a:r>
           </a:p>
           <a:p>
             <a:pPr lvl="4"/>
             <a:r>
-              <a:rPr lang="en-US" smtClean="0"/>
+              <a:rPr lang="en-US"/>
               <a:t>Fifth level</a:t>
             </a:r>
-            <a:endParaRPr lang="en-US"/>
           </a:p>
         </p:txBody>
       </p:sp>
@@ -590,7 +592,7 @@
           <a:p>
             <a:fld id="{229136A7-1650-402A-838D-86A8E0EC0E26}" type="datetimeFigureOut">
               <a:rPr lang="en-US" smtClean="0"/>
-              <a:t>26/01/2021</a:t>
+              <a:t>27/01/2021</a:t>
             </a:fld>
             <a:endParaRPr lang="en-US"/>
           </a:p>
@@ -684,10 +686,9 @@
           <a:lstStyle/>
           <a:p>
             <a:r>
-              <a:rPr lang="en-US" smtClean="0"/>
+              <a:rPr lang="en-US"/>
               <a:t>Click to edit Master title style</a:t>
             </a:r>
-            <a:endParaRPr lang="en-US"/>
           </a:p>
         </p:txBody>
       </p:sp>
@@ -708,38 +709,37 @@
           <a:p>
             <a:pPr lvl="0"/>
             <a:r>
-              <a:rPr lang="en-US" smtClean="0"/>
+              <a:rPr lang="en-US"/>
               <a:t>Click to edit Master text styles</a:t>
             </a:r>
           </a:p>
           <a:p>
             <a:pPr lvl="1"/>
             <a:r>
-              <a:rPr lang="en-US" smtClean="0"/>
+              <a:rPr lang="en-US"/>
               <a:t>Second level</a:t>
             </a:r>
           </a:p>
           <a:p>
             <a:pPr lvl="2"/>
             <a:r>
-              <a:rPr lang="en-US" smtClean="0"/>
+              <a:rPr lang="en-US"/>
               <a:t>Third level</a:t>
             </a:r>
           </a:p>
           <a:p>
             <a:pPr lvl="3"/>
             <a:r>
-              <a:rPr lang="en-US" smtClean="0"/>
+              <a:rPr lang="en-US"/>
               <a:t>Fourth level</a:t>
             </a:r>
           </a:p>
           <a:p>
             <a:pPr lvl="4"/>
             <a:r>
-              <a:rPr lang="en-US" smtClean="0"/>
+              <a:rPr lang="en-US"/>
               <a:t>Fifth level</a:t>
             </a:r>
-            <a:endParaRPr lang="en-US"/>
           </a:p>
         </p:txBody>
       </p:sp>
@@ -760,7 +760,7 @@
           <a:p>
             <a:fld id="{229136A7-1650-402A-838D-86A8E0EC0E26}" type="datetimeFigureOut">
               <a:rPr lang="en-US" smtClean="0"/>
-              <a:t>26/01/2021</a:t>
+              <a:t>27/01/2021</a:t>
             </a:fld>
             <a:endParaRPr lang="en-US"/>
           </a:p>
@@ -863,10 +863,9 @@
           </a:lstStyle>
           <a:p>
             <a:r>
-              <a:rPr lang="en-US" smtClean="0"/>
+              <a:rPr lang="en-US"/>
               <a:t>Click to edit Master title style</a:t>
             </a:r>
-            <a:endParaRPr lang="en-US"/>
           </a:p>
         </p:txBody>
       </p:sp>
@@ -983,7 +982,7 @@
           <a:p>
             <a:pPr lvl="0"/>
             <a:r>
-              <a:rPr lang="en-US" smtClean="0"/>
+              <a:rPr lang="en-US"/>
               <a:t>Click to edit Master text styles</a:t>
             </a:r>
           </a:p>
@@ -1006,7 +1005,7 @@
           <a:p>
             <a:fld id="{229136A7-1650-402A-838D-86A8E0EC0E26}" type="datetimeFigureOut">
               <a:rPr lang="en-US" smtClean="0"/>
-              <a:t>26/01/2021</a:t>
+              <a:t>27/01/2021</a:t>
             </a:fld>
             <a:endParaRPr lang="en-US"/>
           </a:p>
@@ -1100,10 +1099,9 @@
           <a:lstStyle/>
           <a:p>
             <a:r>
-              <a:rPr lang="en-US" smtClean="0"/>
+              <a:rPr lang="en-US"/>
               <a:t>Click to edit Master title style</a:t>
             </a:r>
-            <a:endParaRPr lang="en-US"/>
           </a:p>
         </p:txBody>
       </p:sp>
@@ -1129,38 +1127,37 @@
           <a:p>
             <a:pPr lvl="0"/>
             <a:r>
-              <a:rPr lang="en-US" smtClean="0"/>
+              <a:rPr lang="en-US"/>
               <a:t>Click to edit Master text styles</a:t>
             </a:r>
           </a:p>
           <a:p>
             <a:pPr lvl="1"/>
             <a:r>
-              <a:rPr lang="en-US" smtClean="0"/>
+              <a:rPr lang="en-US"/>
               <a:t>Second level</a:t>
             </a:r>
           </a:p>
           <a:p>
             <a:pPr lvl="2"/>
             <a:r>
-              <a:rPr lang="en-US" smtClean="0"/>
+              <a:rPr lang="en-US"/>
               <a:t>Third level</a:t>
             </a:r>
           </a:p>
           <a:p>
             <a:pPr lvl="3"/>
             <a:r>
-              <a:rPr lang="en-US" smtClean="0"/>
+              <a:rPr lang="en-US"/>
               <a:t>Fourth level</a:t>
             </a:r>
           </a:p>
           <a:p>
             <a:pPr lvl="4"/>
             <a:r>
-              <a:rPr lang="en-US" smtClean="0"/>
+              <a:rPr lang="en-US"/>
               <a:t>Fifth level</a:t>
             </a:r>
-            <a:endParaRPr lang="en-US"/>
           </a:p>
         </p:txBody>
       </p:sp>
@@ -1186,38 +1183,37 @@
           <a:p>
             <a:pPr lvl="0"/>
             <a:r>
-              <a:rPr lang="en-US" smtClean="0"/>
+              <a:rPr lang="en-US"/>
               <a:t>Click to edit Master text styles</a:t>
             </a:r>
           </a:p>
           <a:p>
             <a:pPr lvl="1"/>
             <a:r>
-              <a:rPr lang="en-US" smtClean="0"/>
+              <a:rPr lang="en-US"/>
               <a:t>Second level</a:t>
             </a:r>
           </a:p>
           <a:p>
             <a:pPr lvl="2"/>
             <a:r>
-              <a:rPr lang="en-US" smtClean="0"/>
+              <a:rPr lang="en-US"/>
               <a:t>Third level</a:t>
             </a:r>
           </a:p>
           <a:p>
             <a:pPr lvl="3"/>
             <a:r>
-              <a:rPr lang="en-US" smtClean="0"/>
+              <a:rPr lang="en-US"/>
               <a:t>Fourth level</a:t>
             </a:r>
           </a:p>
           <a:p>
             <a:pPr lvl="4"/>
             <a:r>
-              <a:rPr lang="en-US" smtClean="0"/>
+              <a:rPr lang="en-US"/>
               <a:t>Fifth level</a:t>
             </a:r>
-            <a:endParaRPr lang="en-US"/>
           </a:p>
         </p:txBody>
       </p:sp>
@@ -1238,7 +1234,7 @@
           <a:p>
             <a:fld id="{229136A7-1650-402A-838D-86A8E0EC0E26}" type="datetimeFigureOut">
               <a:rPr lang="en-US" smtClean="0"/>
-              <a:t>26/01/2021</a:t>
+              <a:t>27/01/2021</a:t>
             </a:fld>
             <a:endParaRPr lang="en-US"/>
           </a:p>
@@ -1337,10 +1333,9 @@
           <a:lstStyle/>
           <a:p>
             <a:r>
-              <a:rPr lang="en-US" smtClean="0"/>
+              <a:rPr lang="en-US"/>
               <a:t>Click to edit Master title style</a:t>
             </a:r>
-            <a:endParaRPr lang="en-US"/>
           </a:p>
         </p:txBody>
       </p:sp>
@@ -1403,7 +1398,7 @@
           <a:p>
             <a:pPr lvl="0"/>
             <a:r>
-              <a:rPr lang="en-US" smtClean="0"/>
+              <a:rPr lang="en-US"/>
               <a:t>Click to edit Master text styles</a:t>
             </a:r>
           </a:p>
@@ -1431,38 +1426,37 @@
           <a:p>
             <a:pPr lvl="0"/>
             <a:r>
-              <a:rPr lang="en-US" smtClean="0"/>
+              <a:rPr lang="en-US"/>
               <a:t>Click to edit Master text styles</a:t>
             </a:r>
           </a:p>
           <a:p>
             <a:pPr lvl="1"/>
             <a:r>
-              <a:rPr lang="en-US" smtClean="0"/>
+              <a:rPr lang="en-US"/>
               <a:t>Second level</a:t>
             </a:r>
           </a:p>
           <a:p>
             <a:pPr lvl="2"/>
             <a:r>
-              <a:rPr lang="en-US" smtClean="0"/>
+              <a:rPr lang="en-US"/>
               <a:t>Third level</a:t>
             </a:r>
           </a:p>
           <a:p>
             <a:pPr lvl="3"/>
             <a:r>
-              <a:rPr lang="en-US" smtClean="0"/>
+              <a:rPr lang="en-US"/>
               <a:t>Fourth level</a:t>
             </a:r>
           </a:p>
           <a:p>
             <a:pPr lvl="4"/>
             <a:r>
-              <a:rPr lang="en-US" smtClean="0"/>
+              <a:rPr lang="en-US"/>
               <a:t>Fifth level</a:t>
             </a:r>
-            <a:endParaRPr lang="en-US"/>
           </a:p>
         </p:txBody>
       </p:sp>
@@ -1525,7 +1519,7 @@
           <a:p>
             <a:pPr lvl="0"/>
             <a:r>
-              <a:rPr lang="en-US" smtClean="0"/>
+              <a:rPr lang="en-US"/>
               <a:t>Click to edit Master text styles</a:t>
             </a:r>
           </a:p>
@@ -1553,38 +1547,37 @@
           <a:p>
             <a:pPr lvl="0"/>
             <a:r>
-              <a:rPr lang="en-US" smtClean="0"/>
+              <a:rPr lang="en-US"/>
               <a:t>Click to edit Master text styles</a:t>
             </a:r>
           </a:p>
           <a:p>
             <a:pPr lvl="1"/>
             <a:r>
-              <a:rPr lang="en-US" smtClean="0"/>
+              <a:rPr lang="en-US"/>
               <a:t>Second level</a:t>
             </a:r>
           </a:p>
           <a:p>
             <a:pPr lvl="2"/>
             <a:r>
-              <a:rPr lang="en-US" smtClean="0"/>
+              <a:rPr lang="en-US"/>
               <a:t>Third level</a:t>
             </a:r>
           </a:p>
           <a:p>
             <a:pPr lvl="3"/>
             <a:r>
-              <a:rPr lang="en-US" smtClean="0"/>
+              <a:rPr lang="en-US"/>
               <a:t>Fourth level</a:t>
             </a:r>
           </a:p>
           <a:p>
             <a:pPr lvl="4"/>
             <a:r>
-              <a:rPr lang="en-US" smtClean="0"/>
+              <a:rPr lang="en-US"/>
               <a:t>Fifth level</a:t>
             </a:r>
-            <a:endParaRPr lang="en-US"/>
           </a:p>
         </p:txBody>
       </p:sp>
@@ -1605,7 +1598,7 @@
           <a:p>
             <a:fld id="{229136A7-1650-402A-838D-86A8E0EC0E26}" type="datetimeFigureOut">
               <a:rPr lang="en-US" smtClean="0"/>
-              <a:t>26/01/2021</a:t>
+              <a:t>27/01/2021</a:t>
             </a:fld>
             <a:endParaRPr lang="en-US"/>
           </a:p>
@@ -1699,10 +1692,9 @@
           <a:lstStyle/>
           <a:p>
             <a:r>
-              <a:rPr lang="en-US" smtClean="0"/>
+              <a:rPr lang="en-US"/>
               <a:t>Click to edit Master title style</a:t>
             </a:r>
-            <a:endParaRPr lang="en-US"/>
           </a:p>
         </p:txBody>
       </p:sp>
@@ -1723,7 +1715,7 @@
           <a:p>
             <a:fld id="{229136A7-1650-402A-838D-86A8E0EC0E26}" type="datetimeFigureOut">
               <a:rPr lang="en-US" smtClean="0"/>
-              <a:t>26/01/2021</a:t>
+              <a:t>27/01/2021</a:t>
             </a:fld>
             <a:endParaRPr lang="en-US"/>
           </a:p>
@@ -1818,7 +1810,7 @@
           <a:p>
             <a:fld id="{229136A7-1650-402A-838D-86A8E0EC0E26}" type="datetimeFigureOut">
               <a:rPr lang="en-US" smtClean="0"/>
-              <a:t>26/01/2021</a:t>
+              <a:t>27/01/2021</a:t>
             </a:fld>
             <a:endParaRPr lang="en-US"/>
           </a:p>
@@ -1921,10 +1913,9 @@
           </a:lstStyle>
           <a:p>
             <a:r>
-              <a:rPr lang="en-US" smtClean="0"/>
+              <a:rPr lang="en-US"/>
               <a:t>Click to edit Master title style</a:t>
             </a:r>
-            <a:endParaRPr lang="en-US"/>
           </a:p>
         </p:txBody>
       </p:sp>
@@ -1978,38 +1969,37 @@
           <a:p>
             <a:pPr lvl="0"/>
             <a:r>
-              <a:rPr lang="en-US" smtClean="0"/>
+              <a:rPr lang="en-US"/>
               <a:t>Click to edit Master text styles</a:t>
             </a:r>
           </a:p>
           <a:p>
             <a:pPr lvl="1"/>
             <a:r>
-              <a:rPr lang="en-US" smtClean="0"/>
+              <a:rPr lang="en-US"/>
               <a:t>Second level</a:t>
             </a:r>
           </a:p>
           <a:p>
             <a:pPr lvl="2"/>
             <a:r>
-              <a:rPr lang="en-US" smtClean="0"/>
+              <a:rPr lang="en-US"/>
               <a:t>Third level</a:t>
             </a:r>
           </a:p>
           <a:p>
             <a:pPr lvl="3"/>
             <a:r>
-              <a:rPr lang="en-US" smtClean="0"/>
+              <a:rPr lang="en-US"/>
               <a:t>Fourth level</a:t>
             </a:r>
           </a:p>
           <a:p>
             <a:pPr lvl="4"/>
             <a:r>
-              <a:rPr lang="en-US" smtClean="0"/>
+              <a:rPr lang="en-US"/>
               <a:t>Fifth level</a:t>
             </a:r>
-            <a:endParaRPr lang="en-US"/>
           </a:p>
         </p:txBody>
       </p:sp>
@@ -2072,7 +2062,7 @@
           <a:p>
             <a:pPr lvl="0"/>
             <a:r>
-              <a:rPr lang="en-US" smtClean="0"/>
+              <a:rPr lang="en-US"/>
               <a:t>Click to edit Master text styles</a:t>
             </a:r>
           </a:p>
@@ -2095,7 +2085,7 @@
           <a:p>
             <a:fld id="{229136A7-1650-402A-838D-86A8E0EC0E26}" type="datetimeFigureOut">
               <a:rPr lang="en-US" smtClean="0"/>
-              <a:t>26/01/2021</a:t>
+              <a:t>27/01/2021</a:t>
             </a:fld>
             <a:endParaRPr lang="en-US"/>
           </a:p>
@@ -2198,10 +2188,9 @@
           </a:lstStyle>
           <a:p>
             <a:r>
-              <a:rPr lang="en-US" smtClean="0"/>
+              <a:rPr lang="en-US"/>
               <a:t>Click to edit Master title style</a:t>
             </a:r>
-            <a:endParaRPr lang="en-US"/>
           </a:p>
         </p:txBody>
       </p:sp>
@@ -2325,7 +2314,7 @@
           <a:p>
             <a:pPr lvl="0"/>
             <a:r>
-              <a:rPr lang="en-US" smtClean="0"/>
+              <a:rPr lang="en-US"/>
               <a:t>Click to edit Master text styles</a:t>
             </a:r>
           </a:p>
@@ -2348,7 +2337,7 @@
           <a:p>
             <a:fld id="{229136A7-1650-402A-838D-86A8E0EC0E26}" type="datetimeFigureOut">
               <a:rPr lang="en-US" smtClean="0"/>
-              <a:t>26/01/2021</a:t>
+              <a:t>27/01/2021</a:t>
             </a:fld>
             <a:endParaRPr lang="en-US"/>
           </a:p>
@@ -2457,10 +2446,9 @@
           <a:lstStyle/>
           <a:p>
             <a:r>
-              <a:rPr lang="en-US" smtClean="0"/>
+              <a:rPr lang="en-US"/>
               <a:t>Click to edit Master title style</a:t>
             </a:r>
-            <a:endParaRPr lang="en-US"/>
           </a:p>
         </p:txBody>
       </p:sp>
@@ -2491,38 +2479,37 @@
           <a:p>
             <a:pPr lvl="0"/>
             <a:r>
-              <a:rPr lang="en-US" smtClean="0"/>
+              <a:rPr lang="en-US"/>
               <a:t>Click to edit Master text styles</a:t>
             </a:r>
           </a:p>
           <a:p>
             <a:pPr lvl="1"/>
             <a:r>
-              <a:rPr lang="en-US" smtClean="0"/>
+              <a:rPr lang="en-US"/>
               <a:t>Second level</a:t>
             </a:r>
           </a:p>
           <a:p>
             <a:pPr lvl="2"/>
             <a:r>
-              <a:rPr lang="en-US" smtClean="0"/>
+              <a:rPr lang="en-US"/>
               <a:t>Third level</a:t>
             </a:r>
           </a:p>
           <a:p>
             <a:pPr lvl="3"/>
             <a:r>
-              <a:rPr lang="en-US" smtClean="0"/>
+              <a:rPr lang="en-US"/>
               <a:t>Fourth level</a:t>
             </a:r>
           </a:p>
           <a:p>
             <a:pPr lvl="4"/>
             <a:r>
-              <a:rPr lang="en-US" smtClean="0"/>
+              <a:rPr lang="en-US"/>
               <a:t>Fifth level</a:t>
             </a:r>
-            <a:endParaRPr lang="en-US"/>
           </a:p>
         </p:txBody>
       </p:sp>
@@ -2561,7 +2548,7 @@
           <a:p>
             <a:fld id="{229136A7-1650-402A-838D-86A8E0EC0E26}" type="datetimeFigureOut">
               <a:rPr lang="en-US" smtClean="0"/>
-              <a:t>26/01/2021</a:t>
+              <a:t>27/01/2021</a:t>
             </a:fld>
             <a:endParaRPr lang="en-US"/>
           </a:p>
@@ -2984,19 +2971,15 @@
           <a:lstStyle/>
           <a:p>
             <a:r>
-              <a:rPr lang="en-US" dirty="0" smtClean="0"/>
+              <a:rPr lang="en-US" dirty="0"/>
               <a:t>React-Basic </a:t>
             </a:r>
             <a:br>
-              <a:rPr lang="en-US" dirty="0" smtClean="0"/>
+              <a:rPr lang="en-US" dirty="0"/>
             </a:br>
             <a:r>
-              <a:rPr lang="en-US" sz="3900" dirty="0" smtClean="0"/>
-              <a:t>Building </a:t>
-            </a:r>
-            <a:r>
               <a:rPr lang="en-US" sz="3900" dirty="0"/>
-              <a:t>Modern Full Stack </a:t>
+              <a:t>Building Modern Full Stack </a:t>
             </a:r>
             <a:r>
               <a:rPr lang="en-US" sz="3900" dirty="0" err="1"/>
@@ -3029,40 +3012,35 @@
           <a:lstStyle/>
           <a:p>
             <a:r>
-              <a:rPr lang="en-US" dirty="0" smtClean="0"/>
+              <a:rPr lang="en-US" dirty="0"/>
               <a:t>Class # 04</a:t>
             </a:r>
           </a:p>
           <a:p>
             <a:r>
-              <a:rPr lang="en-US" dirty="0" err="1" smtClean="0"/>
+              <a:rPr lang="en-US" dirty="0" err="1"/>
               <a:t>StateFull</a:t>
-            </a:r>
-            <a:r>
-              <a:rPr lang="en-US" dirty="0" smtClean="0"/>
-              <a:t> </a:t>
-            </a:r>
-            <a:r>
-              <a:rPr lang="en-US" dirty="0" err="1" smtClean="0"/>
-              <a:t>Funtions</a:t>
             </a:r>
             <a:r>
               <a:rPr lang="en-US" dirty="0"/>
               <a:t> </a:t>
             </a:r>
             <a:r>
-              <a:rPr lang="en-US" dirty="0" smtClean="0"/>
-              <a:t>Using ‘</a:t>
-            </a:r>
-            <a:r>
-              <a:rPr lang="en-US" dirty="0" err="1" smtClean="0"/>
+              <a:rPr lang="en-US" dirty="0" err="1"/>
+              <a:t>Funtions</a:t>
+            </a:r>
+            <a:r>
+              <a:rPr lang="en-US" dirty="0"/>
+              <a:t> Using ‘</a:t>
+            </a:r>
+            <a:r>
+              <a:rPr lang="en-US" dirty="0" err="1"/>
               <a:t>useState</a:t>
             </a:r>
             <a:r>
-              <a:rPr lang="en-US" dirty="0" smtClean="0"/>
+              <a:rPr lang="en-US" dirty="0"/>
               <a:t>’</a:t>
             </a:r>
-            <a:endParaRPr lang="en-US" dirty="0"/>
           </a:p>
         </p:txBody>
       </p:sp>
@@ -3112,10 +3090,9 @@
           <a:lstStyle/>
           <a:p>
             <a:r>
-              <a:rPr lang="en-US" dirty="0" smtClean="0"/>
+              <a:rPr lang="en-US" dirty="0"/>
               <a:t>Creating reactproj1</a:t>
             </a:r>
-            <a:endParaRPr lang="en-US" dirty="0"/>
           </a:p>
         </p:txBody>
       </p:sp>
@@ -3135,7 +3112,7 @@
           <a:lstStyle/>
           <a:p>
             <a:r>
-              <a:rPr lang="en-US" dirty="0" smtClean="0"/>
+              <a:rPr lang="en-US" dirty="0"/>
               <a:t>Follow Steps:</a:t>
             </a:r>
           </a:p>
@@ -3145,23 +3122,23 @@
               <a:buAutoNum type="arabicPeriod"/>
             </a:pPr>
             <a:r>
-              <a:rPr lang="en-US" dirty="0" smtClean="0"/>
+              <a:rPr lang="en-US" dirty="0"/>
               <a:t>Create a React app using following commands in </a:t>
             </a:r>
             <a:r>
-              <a:rPr lang="en-US" dirty="0" err="1" smtClean="0"/>
+              <a:rPr lang="en-US" dirty="0" err="1"/>
               <a:t>cmd</a:t>
             </a:r>
             <a:r>
-              <a:rPr lang="en-US" dirty="0" smtClean="0"/>
+              <a:rPr lang="en-US" dirty="0"/>
               <a:t> , the best practice is that you must create a project folder as named above and run </a:t>
             </a:r>
             <a:r>
-              <a:rPr lang="en-US" dirty="0" err="1" smtClean="0"/>
+              <a:rPr lang="en-US" dirty="0" err="1"/>
               <a:t>cmd</a:t>
             </a:r>
             <a:r>
-              <a:rPr lang="en-US" dirty="0" smtClean="0"/>
+              <a:rPr lang="en-US" dirty="0"/>
               <a:t> in the same folder </a:t>
             </a:r>
           </a:p>
@@ -3171,11 +3148,11 @@
               <a:buAutoNum type="arabicPeriod"/>
             </a:pPr>
             <a:r>
-              <a:rPr lang="en-US" dirty="0" smtClean="0"/>
+              <a:rPr lang="en-US" dirty="0"/>
               <a:t>Now in command prompt run …..:\&gt; </a:t>
             </a:r>
             <a:r>
-              <a:rPr lang="en-US" dirty="0" smtClean="0">
+              <a:rPr lang="en-US" dirty="0">
                 <a:solidFill>
                   <a:srgbClr val="00B0F0"/>
                 </a:solidFill>
@@ -3183,7 +3160,7 @@
               <a:t>cd..</a:t>
             </a:r>
             <a:r>
-              <a:rPr lang="en-US" dirty="0" smtClean="0"/>
+              <a:rPr lang="en-US" dirty="0"/>
               <a:t> </a:t>
             </a:r>
           </a:p>
@@ -3193,27 +3170,27 @@
               <a:buAutoNum type="arabicPeriod"/>
             </a:pPr>
             <a:r>
-              <a:rPr lang="en-US" dirty="0" smtClean="0"/>
+              <a:rPr lang="en-US" dirty="0"/>
               <a:t> Now run a </a:t>
             </a:r>
             <a:r>
-              <a:rPr lang="en-US" dirty="0" err="1" smtClean="0"/>
+              <a:rPr lang="en-US" dirty="0" err="1"/>
               <a:t>commad</a:t>
             </a:r>
             <a:r>
-              <a:rPr lang="en-US" dirty="0" smtClean="0"/>
+              <a:rPr lang="en-US" dirty="0"/>
               <a:t> in </a:t>
             </a:r>
             <a:r>
-              <a:rPr lang="en-US" dirty="0" err="1" smtClean="0"/>
+              <a:rPr lang="en-US" dirty="0" err="1"/>
               <a:t>cmd</a:t>
             </a:r>
             <a:r>
-              <a:rPr lang="en-US" dirty="0" smtClean="0"/>
+              <a:rPr lang="en-US" dirty="0"/>
               <a:t> as :\&gt;  </a:t>
             </a:r>
             <a:r>
-              <a:rPr lang="en-US" dirty="0" err="1" smtClean="0">
+              <a:rPr lang="en-US" dirty="0" err="1">
                 <a:solidFill>
                   <a:srgbClr val="00B0F0"/>
                 </a:solidFill>
@@ -3221,7 +3198,7 @@
               <a:t>npx</a:t>
             </a:r>
             <a:r>
-              <a:rPr lang="en-US" dirty="0" smtClean="0">
+              <a:rPr lang="en-US" dirty="0">
                 <a:solidFill>
                   <a:srgbClr val="00B0F0"/>
                 </a:solidFill>
@@ -3235,11 +3212,11 @@
               <a:buAutoNum type="arabicPeriod"/>
             </a:pPr>
             <a:r>
-              <a:rPr lang="en-US" dirty="0" smtClean="0"/>
+              <a:rPr lang="en-US" dirty="0"/>
               <a:t>When project will be setup Run </a:t>
             </a:r>
             <a:r>
-              <a:rPr lang="en-US" dirty="0" smtClean="0">
+              <a:rPr lang="en-US" dirty="0">
                 <a:solidFill>
                   <a:srgbClr val="00B0F0"/>
                 </a:solidFill>
@@ -3253,11 +3230,11 @@
               <a:buAutoNum type="arabicPeriod"/>
             </a:pPr>
             <a:r>
-              <a:rPr lang="en-US" dirty="0" smtClean="0"/>
+              <a:rPr lang="en-US" dirty="0"/>
               <a:t>Run command as  </a:t>
             </a:r>
             <a:r>
-              <a:rPr lang="en-US" dirty="0" smtClean="0">
+              <a:rPr lang="en-US" dirty="0">
                 <a:solidFill>
                   <a:srgbClr val="00B0F0"/>
                 </a:solidFill>
@@ -3271,7 +3248,7 @@
               <a:buAutoNum type="arabicPeriod"/>
             </a:pPr>
             <a:r>
-              <a:rPr lang="en-US" dirty="0" smtClean="0"/>
+              <a:rPr lang="en-US" dirty="0"/>
               <a:t>Now Project is ready to run and we can edit app.js</a:t>
             </a:r>
           </a:p>
@@ -3280,7 +3257,7 @@
               <a:buFont typeface="+mj-lt"/>
               <a:buAutoNum type="arabicPeriod"/>
             </a:pPr>
-            <a:endParaRPr lang="en-US" dirty="0" smtClean="0"/>
+            <a:endParaRPr lang="en-US" dirty="0"/>
           </a:p>
           <a:p>
             <a:pPr lvl="1"/>
@@ -3334,7 +3311,7 @@
           <a:lstStyle/>
           <a:p>
             <a:r>
-              <a:rPr lang="en-US" dirty="0" err="1" smtClean="0"/>
+              <a:rPr lang="en-US" dirty="0" err="1"/>
               <a:t>useState</a:t>
             </a:r>
             <a:endParaRPr lang="en-US" dirty="0"/>
@@ -3359,14 +3336,14 @@
           <a:lstStyle/>
           <a:p>
             <a:r>
-              <a:rPr lang="en-US" dirty="0" smtClean="0"/>
+              <a:rPr lang="en-US" dirty="0"/>
               <a:t>What is </a:t>
             </a:r>
             <a:r>
-              <a:rPr lang="en-US" dirty="0" err="1" smtClean="0"/>
+              <a:rPr lang="en-US" dirty="0" err="1"/>
               <a:t>useState</a:t>
             </a:r>
-            <a:endParaRPr lang="en-US" dirty="0" smtClean="0"/>
+            <a:endParaRPr lang="en-US" dirty="0"/>
           </a:p>
           <a:p>
             <a:pPr lvl="1"/>
@@ -3380,60 +3357,14 @@
             </a:r>
             <a:r>
               <a:rPr lang="en-US" dirty="0"/>
-              <a:t> is the workhorse of the bunch</a:t>
-            </a:r>
-            <a:r>
-              <a:rPr lang="en-US" dirty="0" smtClean="0"/>
-              <a:t>.</a:t>
+              <a:t> is the workhorse of the bunch.</a:t>
             </a:r>
           </a:p>
           <a:p>
             <a:pPr lvl="1"/>
             <a:r>
-              <a:rPr lang="en-US" dirty="0" smtClean="0"/>
+              <a:rPr lang="en-US" dirty="0"/>
               <a:t>The </a:t>
-            </a:r>
-            <a:r>
-              <a:rPr lang="en-US" dirty="0" err="1" smtClean="0"/>
-              <a:t>useState</a:t>
-            </a:r>
-            <a:r>
-              <a:rPr lang="en-US" dirty="0" smtClean="0"/>
-              <a:t> </a:t>
-            </a:r>
-            <a:r>
-              <a:rPr lang="en-US" dirty="0"/>
-              <a:t>hook lets you add state to function components</a:t>
-            </a:r>
-            <a:r>
-              <a:rPr lang="en-US" dirty="0" smtClean="0"/>
-              <a:t>.</a:t>
-            </a:r>
-          </a:p>
-          <a:p>
-            <a:pPr lvl="1"/>
-            <a:r>
-              <a:rPr lang="en-US" dirty="0" smtClean="0"/>
-              <a:t>Every </a:t>
-            </a:r>
-            <a:r>
-              <a:rPr lang="en-US" dirty="0"/>
-              <a:t>hook starts with the word “use</a:t>
-            </a:r>
-            <a:r>
-              <a:rPr lang="en-US" dirty="0" smtClean="0"/>
-              <a:t>”;</a:t>
-            </a:r>
-          </a:p>
-          <a:p>
-            <a:pPr lvl="1"/>
-            <a:r>
-              <a:rPr lang="en-US" dirty="0" smtClean="0"/>
-              <a:t>A </a:t>
-            </a:r>
-            <a:r>
-              <a:rPr lang="en-US" dirty="0"/>
-              <a:t>call to </a:t>
             </a:r>
             <a:r>
               <a:rPr lang="en-US" dirty="0" err="1"/>
@@ -3441,23 +3372,36 @@
             </a:r>
             <a:r>
               <a:rPr lang="en-US" dirty="0"/>
-              <a:t> literally lets you “use state” in a function </a:t>
-            </a:r>
-            <a:r>
-              <a:rPr lang="en-US" dirty="0" smtClean="0"/>
-              <a:t>component</a:t>
-            </a:r>
-            <a:endParaRPr lang="en-US" dirty="0"/>
+              <a:t> hook lets you add state to function components.</a:t>
+            </a:r>
           </a:p>
           <a:p>
             <a:pPr lvl="1"/>
             <a:r>
-              <a:rPr lang="en-US" dirty="0" smtClean="0"/>
-              <a:t>With </a:t>
-            </a:r>
-            <a:r>
               <a:rPr lang="en-US" dirty="0"/>
-              <a:t>hooks, the state can be </a:t>
+              <a:t>Every hook starts with the word “use”;</a:t>
+            </a:r>
+          </a:p>
+          <a:p>
+            <a:pPr lvl="1"/>
+            <a:r>
+              <a:rPr lang="en-US" dirty="0"/>
+              <a:t>A call to </a:t>
+            </a:r>
+            <a:r>
+              <a:rPr lang="en-US" dirty="0" err="1"/>
+              <a:t>useState</a:t>
+            </a:r>
+            <a:r>
+              <a:rPr lang="en-US" dirty="0"/>
+              <a:t> literally lets you “use state” in a function component</a:t>
+            </a:r>
+          </a:p>
+          <a:p>
+            <a:pPr lvl="1"/>
+            <a:r>
+              <a:rPr lang="en-US" dirty="0"/>
+              <a:t>With hooks, the state can be </a:t>
             </a:r>
             <a:r>
               <a:rPr lang="en-US" i="1" dirty="0"/>
@@ -3489,29 +3433,21 @@
             </a:r>
             <a:r>
               <a:rPr lang="en-US" dirty="0"/>
-              <a:t>, a string, whatever you </a:t>
-            </a:r>
-            <a:r>
-              <a:rPr lang="en-US" dirty="0" smtClean="0"/>
-              <a:t>need.</a:t>
+              <a:t>, a string, whatever you need.</a:t>
             </a:r>
           </a:p>
           <a:p>
             <a:pPr lvl="1"/>
             <a:r>
               <a:rPr lang="en-US" dirty="0"/>
-              <a:t>Each call </a:t>
-            </a:r>
-            <a:r>
-              <a:rPr lang="en-US" dirty="0" smtClean="0"/>
-              <a:t>to ‘</a:t>
-            </a:r>
-            <a:r>
-              <a:rPr lang="en-US" dirty="0" err="1" smtClean="0"/>
+              <a:t>Each call to ‘</a:t>
+            </a:r>
+            <a:r>
+              <a:rPr lang="en-US" dirty="0" err="1"/>
               <a:t>useState</a:t>
             </a:r>
             <a:r>
-              <a:rPr lang="en-US" dirty="0" smtClean="0"/>
+              <a:rPr lang="en-US" dirty="0"/>
               <a:t>’ </a:t>
             </a:r>
             <a:r>
@@ -3520,11 +3456,7 @@
             </a:r>
             <a:r>
               <a:rPr lang="en-US" dirty="0"/>
-              <a:t> a single piece of state, holding a single value of any type</a:t>
-            </a:r>
-            <a:r>
-              <a:rPr lang="en-US" dirty="0" smtClean="0"/>
-              <a:t>. And is perfect for local component state. &amp; a </a:t>
+              <a:t> a single piece of state, holding a single value of any type. And is perfect for local component state. &amp; a </a:t>
             </a:r>
             <a:r>
               <a:rPr lang="en-US" dirty="0" err="1"/>
@@ -3540,11 +3472,7 @@
             </a:r>
             <a:r>
               <a:rPr lang="en-US" dirty="0"/>
-              <a:t> amount of it</a:t>
-            </a:r>
-            <a:r>
-              <a:rPr lang="en-US" dirty="0" smtClean="0"/>
-              <a:t>.</a:t>
+              <a:t> amount of it.</a:t>
             </a:r>
           </a:p>
           <a:p>
@@ -3559,31 +3487,15 @@
             </a:r>
             <a:r>
               <a:rPr lang="en-US" dirty="0"/>
-              <a:t> with some </a:t>
-            </a:r>
-            <a:r>
-              <a:rPr lang="en-US" dirty="0" smtClean="0"/>
-              <a:t>other </a:t>
-            </a:r>
-            <a:r>
-              <a:rPr lang="en-US" b="1" dirty="0" smtClean="0"/>
-              <a:t>Advance  </a:t>
+              <a:t> with some other </a:t>
             </a:r>
             <a:r>
               <a:rPr lang="en-US" b="1" dirty="0"/>
-              <a:t>state management</a:t>
+              <a:t>Advance  state management</a:t>
             </a:r>
             <a:r>
               <a:rPr lang="en-US" dirty="0"/>
-              <a:t> solutions</a:t>
-            </a:r>
-            <a:r>
-              <a:rPr lang="en-US" dirty="0" smtClean="0"/>
-              <a:t>. Like </a:t>
-            </a:r>
-            <a:r>
-              <a:rPr lang="en-US" dirty="0"/>
-              <a:t>Context? Redux? </a:t>
+              <a:t> solutions. Like Context? Redux? </a:t>
             </a:r>
             <a:r>
               <a:rPr lang="en-US" dirty="0" err="1"/>
@@ -3591,17 +3503,8 @@
             </a:r>
             <a:r>
               <a:rPr lang="en-US" dirty="0"/>
-              <a:t>? Recoil? </a:t>
-            </a:r>
-            <a:r>
-              <a:rPr lang="en-US" dirty="0" smtClean="0"/>
-              <a:t> 6 </a:t>
-            </a:r>
-            <a:r>
-              <a:rPr lang="en-US" dirty="0"/>
-              <a:t>most-used libraries</a:t>
-            </a:r>
-            <a:endParaRPr lang="en-US" dirty="0" smtClean="0"/>
+              <a:t>? Recoil?  6 most-used libraries</a:t>
+            </a:r>
           </a:p>
           <a:p>
             <a:pPr lvl="1"/>
@@ -3613,6 +3516,1403 @@
     <p:extLst>
       <p:ext uri="{BB962C8B-B14F-4D97-AF65-F5344CB8AC3E}">
         <p14:creationId xmlns:p14="http://schemas.microsoft.com/office/powerpoint/2010/main" val="2823183177"/>
+      </p:ext>
+    </p:extLst>
+  </p:cSld>
+  <p:clrMapOvr>
+    <a:masterClrMapping/>
+  </p:clrMapOvr>
+</p:sld>
+</file>
+
+<file path=ppt/slides/slide4.xml><?xml version="1.0" encoding="utf-8"?>
+<p:sld xmlns:a="http://schemas.openxmlformats.org/drawingml/2006/main" xmlns:r="http://schemas.openxmlformats.org/officeDocument/2006/relationships" xmlns:p="http://schemas.openxmlformats.org/presentationml/2006/main">
+  <p:cSld>
+    <p:bg>
+      <p:bgPr>
+        <a:solidFill>
+          <a:schemeClr val="bg1"/>
+        </a:solidFill>
+        <a:effectLst/>
+      </p:bgPr>
+    </p:bg>
+    <p:spTree>
+      <p:nvGrpSpPr>
+        <p:cNvPr id="1" name=""/>
+        <p:cNvGrpSpPr/>
+        <p:nvPr/>
+      </p:nvGrpSpPr>
+      <p:grpSpPr>
+        <a:xfrm>
+          <a:off x="0" y="0"/>
+          <a:ext cx="0" cy="0"/>
+          <a:chOff x="0" y="0"/>
+          <a:chExt cx="0" cy="0"/>
+        </a:xfrm>
+      </p:grpSpPr>
+      <p:sp useBgFill="1">
+        <p:nvSpPr>
+          <p:cNvPr id="8" name="Rectangle 7">
+            <a:extLst>
+              <a:ext uri="{FF2B5EF4-FFF2-40B4-BE49-F238E27FC236}">
+                <a16:creationId xmlns:a16="http://schemas.microsoft.com/office/drawing/2014/main" id="{777A147A-9ED8-46B4-8660-1B3C2AA880B5}"/>
+              </a:ext>
+              <a:ext uri="{C183D7F6-B498-43B3-948B-1728B52AA6E4}">
+                <adec:decorative xmlns:adec="http://schemas.microsoft.com/office/drawing/2017/decorative" val="1"/>
+              </a:ext>
+            </a:extLst>
+          </p:cNvPr>
+          <p:cNvSpPr>
+            <a:spLocks noGrp="1" noRot="1" noChangeAspect="1" noMove="1" noResize="1" noEditPoints="1" noAdjustHandles="1" noChangeArrowheads="1" noChangeShapeType="1" noTextEdit="1"/>
+          </p:cNvSpPr>
+          <p:nvPr>
+            <p:extLst>
+              <p:ext uri="{386F3935-93C4-4BCD-93E2-E3B085C9AB24}">
+                <p16:designElem xmlns:p16="http://schemas.microsoft.com/office/powerpoint/2015/main" val="1"/>
+              </p:ext>
+            </p:extLst>
+          </p:nvPr>
+        </p:nvSpPr>
+        <p:spPr>
+          <a:xfrm>
+            <a:off x="0" y="0"/>
+            <a:ext cx="12188952" cy="6858000"/>
+          </a:xfrm>
+          <a:prstGeom prst="rect">
+            <a:avLst/>
+          </a:prstGeom>
+          <a:ln>
+            <a:noFill/>
+          </a:ln>
+        </p:spPr>
+        <p:style>
+          <a:lnRef idx="2">
+            <a:schemeClr val="accent1">
+              <a:shade val="50000"/>
+            </a:schemeClr>
+          </a:lnRef>
+          <a:fillRef idx="1">
+            <a:schemeClr val="accent1"/>
+          </a:fillRef>
+          <a:effectRef idx="0">
+            <a:schemeClr val="accent1"/>
+          </a:effectRef>
+          <a:fontRef idx="minor">
+            <a:schemeClr val="lt1"/>
+          </a:fontRef>
+        </p:style>
+        <p:txBody>
+          <a:bodyPr rtlCol="0" anchor="ctr"/>
+          <a:lstStyle/>
+          <a:p>
+            <a:pPr algn="ctr"/>
+            <a:endParaRPr lang="en-US"/>
+          </a:p>
+        </p:txBody>
+      </p:sp>
+      <p:sp>
+        <p:nvSpPr>
+          <p:cNvPr id="2" name="Title 1">
+            <a:extLst>
+              <a:ext uri="{FF2B5EF4-FFF2-40B4-BE49-F238E27FC236}">
+                <a16:creationId xmlns:a16="http://schemas.microsoft.com/office/drawing/2014/main" id="{27CF92C3-56D6-4573-A254-63741E1210EF}"/>
+              </a:ext>
+            </a:extLst>
+          </p:cNvPr>
+          <p:cNvSpPr>
+            <a:spLocks noGrp="1"/>
+          </p:cNvSpPr>
+          <p:nvPr>
+            <p:ph type="title"/>
+          </p:nvPr>
+        </p:nvSpPr>
+        <p:spPr>
+          <a:xfrm>
+            <a:off x="841248" y="548640"/>
+            <a:ext cx="3600860" cy="5431536"/>
+          </a:xfrm>
+        </p:spPr>
+        <p:txBody>
+          <a:bodyPr>
+            <a:normAutofit/>
+          </a:bodyPr>
+          <a:lstStyle/>
+          <a:p>
+            <a:r>
+              <a:rPr lang="en-US" sz="5400" dirty="0" err="1"/>
+              <a:t>useState</a:t>
+            </a:r>
+            <a:r>
+              <a:rPr lang="en-US" sz="5400" dirty="0"/>
+              <a:t>()</a:t>
+            </a:r>
+            <a:br>
+              <a:rPr lang="en-US" sz="5400" dirty="0"/>
+            </a:br>
+            <a:br>
+              <a:rPr lang="en-US" sz="5400" dirty="0"/>
+            </a:br>
+            <a:br>
+              <a:rPr lang="en-US" sz="5400" dirty="0"/>
+            </a:br>
+            <a:br>
+              <a:rPr lang="en-US" sz="5400" dirty="0"/>
+            </a:br>
+            <a:br>
+              <a:rPr lang="en-US" sz="5400" dirty="0"/>
+            </a:br>
+            <a:br>
+              <a:rPr lang="en-US" sz="5400" dirty="0"/>
+            </a:br>
+            <a:endParaRPr lang="en-US" sz="5400" dirty="0"/>
+          </a:p>
+        </p:txBody>
+      </p:sp>
+      <p:sp>
+        <p:nvSpPr>
+          <p:cNvPr id="10" name="sketch line">
+            <a:extLst>
+              <a:ext uri="{FF2B5EF4-FFF2-40B4-BE49-F238E27FC236}">
+                <a16:creationId xmlns:a16="http://schemas.microsoft.com/office/drawing/2014/main" id="{5D6C15A0-C087-4593-8414-2B4EC1CDC3DE}"/>
+              </a:ext>
+              <a:ext uri="{C183D7F6-B498-43B3-948B-1728B52AA6E4}">
+                <adec:decorative xmlns:adec="http://schemas.microsoft.com/office/drawing/2017/decorative" val="1"/>
+              </a:ext>
+            </a:extLst>
+          </p:cNvPr>
+          <p:cNvSpPr>
+            <a:spLocks noGrp="1" noRot="1" noChangeAspect="1" noMove="1" noResize="1" noEditPoints="1" noAdjustHandles="1" noChangeArrowheads="1" noChangeShapeType="1" noTextEdit="1"/>
+          </p:cNvSpPr>
+          <p:nvPr>
+            <p:extLst>
+              <p:ext uri="{386F3935-93C4-4BCD-93E2-E3B085C9AB24}">
+                <p16:designElem xmlns:p16="http://schemas.microsoft.com/office/powerpoint/2015/main" val="1"/>
+              </p:ext>
+            </p:extLst>
+          </p:nvPr>
+        </p:nvSpPr>
+        <p:spPr>
+          <a:xfrm rot="5400000">
+            <a:off x="2543983" y="3258715"/>
+            <a:ext cx="4480560" cy="18288"/>
+          </a:xfrm>
+          <a:custGeom>
+            <a:avLst/>
+            <a:gdLst>
+              <a:gd name="connsiteX0" fmla="*/ 0 w 4480560"/>
+              <a:gd name="connsiteY0" fmla="*/ 0 h 18288"/>
+              <a:gd name="connsiteX1" fmla="*/ 595274 w 4480560"/>
+              <a:gd name="connsiteY1" fmla="*/ 0 h 18288"/>
+              <a:gd name="connsiteX2" fmla="*/ 1100938 w 4480560"/>
+              <a:gd name="connsiteY2" fmla="*/ 0 h 18288"/>
+              <a:gd name="connsiteX3" fmla="*/ 1651406 w 4480560"/>
+              <a:gd name="connsiteY3" fmla="*/ 0 h 18288"/>
+              <a:gd name="connsiteX4" fmla="*/ 2336292 w 4480560"/>
+              <a:gd name="connsiteY4" fmla="*/ 0 h 18288"/>
+              <a:gd name="connsiteX5" fmla="*/ 2931566 w 4480560"/>
+              <a:gd name="connsiteY5" fmla="*/ 0 h 18288"/>
+              <a:gd name="connsiteX6" fmla="*/ 3482035 w 4480560"/>
+              <a:gd name="connsiteY6" fmla="*/ 0 h 18288"/>
+              <a:gd name="connsiteX7" fmla="*/ 4480560 w 4480560"/>
+              <a:gd name="connsiteY7" fmla="*/ 0 h 18288"/>
+              <a:gd name="connsiteX8" fmla="*/ 4480560 w 4480560"/>
+              <a:gd name="connsiteY8" fmla="*/ 18288 h 18288"/>
+              <a:gd name="connsiteX9" fmla="*/ 3840480 w 4480560"/>
+              <a:gd name="connsiteY9" fmla="*/ 18288 h 18288"/>
+              <a:gd name="connsiteX10" fmla="*/ 3290011 w 4480560"/>
+              <a:gd name="connsiteY10" fmla="*/ 18288 h 18288"/>
+              <a:gd name="connsiteX11" fmla="*/ 2560320 w 4480560"/>
+              <a:gd name="connsiteY11" fmla="*/ 18288 h 18288"/>
+              <a:gd name="connsiteX12" fmla="*/ 1965046 w 4480560"/>
+              <a:gd name="connsiteY12" fmla="*/ 18288 h 18288"/>
+              <a:gd name="connsiteX13" fmla="*/ 1459382 w 4480560"/>
+              <a:gd name="connsiteY13" fmla="*/ 18288 h 18288"/>
+              <a:gd name="connsiteX14" fmla="*/ 774497 w 4480560"/>
+              <a:gd name="connsiteY14" fmla="*/ 18288 h 18288"/>
+              <a:gd name="connsiteX15" fmla="*/ 0 w 4480560"/>
+              <a:gd name="connsiteY15" fmla="*/ 18288 h 18288"/>
+              <a:gd name="connsiteX16" fmla="*/ 0 w 4480560"/>
+              <a:gd name="connsiteY16" fmla="*/ 0 h 18288"/>
+            </a:gdLst>
+            <a:ahLst/>
+            <a:cxnLst>
+              <a:cxn ang="0">
+                <a:pos x="connsiteX0" y="connsiteY0"/>
+              </a:cxn>
+              <a:cxn ang="0">
+                <a:pos x="connsiteX1" y="connsiteY1"/>
+              </a:cxn>
+              <a:cxn ang="0">
+                <a:pos x="connsiteX2" y="connsiteY2"/>
+              </a:cxn>
+              <a:cxn ang="0">
+                <a:pos x="connsiteX3" y="connsiteY3"/>
+              </a:cxn>
+              <a:cxn ang="0">
+                <a:pos x="connsiteX4" y="connsiteY4"/>
+              </a:cxn>
+              <a:cxn ang="0">
+                <a:pos x="connsiteX5" y="connsiteY5"/>
+              </a:cxn>
+              <a:cxn ang="0">
+                <a:pos x="connsiteX6" y="connsiteY6"/>
+              </a:cxn>
+              <a:cxn ang="0">
+                <a:pos x="connsiteX7" y="connsiteY7"/>
+              </a:cxn>
+              <a:cxn ang="0">
+                <a:pos x="connsiteX8" y="connsiteY8"/>
+              </a:cxn>
+              <a:cxn ang="0">
+                <a:pos x="connsiteX9" y="connsiteY9"/>
+              </a:cxn>
+              <a:cxn ang="0">
+                <a:pos x="connsiteX10" y="connsiteY10"/>
+              </a:cxn>
+              <a:cxn ang="0">
+                <a:pos x="connsiteX11" y="connsiteY11"/>
+              </a:cxn>
+              <a:cxn ang="0">
+                <a:pos x="connsiteX12" y="connsiteY12"/>
+              </a:cxn>
+              <a:cxn ang="0">
+                <a:pos x="connsiteX13" y="connsiteY13"/>
+              </a:cxn>
+              <a:cxn ang="0">
+                <a:pos x="connsiteX14" y="connsiteY14"/>
+              </a:cxn>
+              <a:cxn ang="0">
+                <a:pos x="connsiteX15" y="connsiteY15"/>
+              </a:cxn>
+              <a:cxn ang="0">
+                <a:pos x="connsiteX16" y="connsiteY16"/>
+              </a:cxn>
+            </a:cxnLst>
+            <a:rect l="l" t="t" r="r" b="b"/>
+            <a:pathLst>
+              <a:path w="4480560" h="18288" fill="none" extrusionOk="0">
+                <a:moveTo>
+                  <a:pt x="0" y="0"/>
+                </a:moveTo>
+                <a:cubicBezTo>
+                  <a:pt x="267821" y="8731"/>
+                  <a:pt x="334105" y="2629"/>
+                  <a:pt x="595274" y="0"/>
+                </a:cubicBezTo>
+                <a:cubicBezTo>
+                  <a:pt x="856443" y="-2629"/>
+                  <a:pt x="863808" y="-13353"/>
+                  <a:pt x="1100938" y="0"/>
+                </a:cubicBezTo>
+                <a:cubicBezTo>
+                  <a:pt x="1338068" y="13353"/>
+                  <a:pt x="1431663" y="-25862"/>
+                  <a:pt x="1651406" y="0"/>
+                </a:cubicBezTo>
+                <a:cubicBezTo>
+                  <a:pt x="1871149" y="25862"/>
+                  <a:pt x="2173163" y="23827"/>
+                  <a:pt x="2336292" y="0"/>
+                </a:cubicBezTo>
+                <a:cubicBezTo>
+                  <a:pt x="2499421" y="-23827"/>
+                  <a:pt x="2720589" y="28148"/>
+                  <a:pt x="2931566" y="0"/>
+                </a:cubicBezTo>
+                <a:cubicBezTo>
+                  <a:pt x="3142543" y="-28148"/>
+                  <a:pt x="3323630" y="27022"/>
+                  <a:pt x="3482035" y="0"/>
+                </a:cubicBezTo>
+                <a:cubicBezTo>
+                  <a:pt x="3640440" y="-27022"/>
+                  <a:pt x="4012110" y="-20118"/>
+                  <a:pt x="4480560" y="0"/>
+                </a:cubicBezTo>
+                <a:cubicBezTo>
+                  <a:pt x="4480958" y="7429"/>
+                  <a:pt x="4480540" y="10822"/>
+                  <a:pt x="4480560" y="18288"/>
+                </a:cubicBezTo>
+                <a:cubicBezTo>
+                  <a:pt x="4314132" y="14924"/>
+                  <a:pt x="4028383" y="36632"/>
+                  <a:pt x="3840480" y="18288"/>
+                </a:cubicBezTo>
+                <a:cubicBezTo>
+                  <a:pt x="3652577" y="-56"/>
+                  <a:pt x="3547615" y="2848"/>
+                  <a:pt x="3290011" y="18288"/>
+                </a:cubicBezTo>
+                <a:cubicBezTo>
+                  <a:pt x="3032407" y="33728"/>
+                  <a:pt x="2830268" y="8719"/>
+                  <a:pt x="2560320" y="18288"/>
+                </a:cubicBezTo>
+                <a:cubicBezTo>
+                  <a:pt x="2290372" y="27857"/>
+                  <a:pt x="2147422" y="6728"/>
+                  <a:pt x="1965046" y="18288"/>
+                </a:cubicBezTo>
+                <a:cubicBezTo>
+                  <a:pt x="1782670" y="29848"/>
+                  <a:pt x="1689791" y="40680"/>
+                  <a:pt x="1459382" y="18288"/>
+                </a:cubicBezTo>
+                <a:cubicBezTo>
+                  <a:pt x="1228973" y="-4104"/>
+                  <a:pt x="915486" y="36501"/>
+                  <a:pt x="774497" y="18288"/>
+                </a:cubicBezTo>
+                <a:cubicBezTo>
+                  <a:pt x="633508" y="75"/>
+                  <a:pt x="361442" y="-11107"/>
+                  <a:pt x="0" y="18288"/>
+                </a:cubicBezTo>
+                <a:cubicBezTo>
+                  <a:pt x="-591" y="13205"/>
+                  <a:pt x="-663" y="6329"/>
+                  <a:pt x="0" y="0"/>
+                </a:cubicBezTo>
+                <a:close/>
+              </a:path>
+              <a:path w="4480560" h="18288" stroke="0" extrusionOk="0">
+                <a:moveTo>
+                  <a:pt x="0" y="0"/>
+                </a:moveTo>
+                <a:cubicBezTo>
+                  <a:pt x="285465" y="225"/>
+                  <a:pt x="322691" y="16223"/>
+                  <a:pt x="595274" y="0"/>
+                </a:cubicBezTo>
+                <a:cubicBezTo>
+                  <a:pt x="867857" y="-16223"/>
+                  <a:pt x="989129" y="-11242"/>
+                  <a:pt x="1100938" y="0"/>
+                </a:cubicBezTo>
+                <a:cubicBezTo>
+                  <a:pt x="1212747" y="11242"/>
+                  <a:pt x="1574350" y="-36410"/>
+                  <a:pt x="1830629" y="0"/>
+                </a:cubicBezTo>
+                <a:cubicBezTo>
+                  <a:pt x="2086908" y="36410"/>
+                  <a:pt x="2180922" y="4645"/>
+                  <a:pt x="2425903" y="0"/>
+                </a:cubicBezTo>
+                <a:cubicBezTo>
+                  <a:pt x="2670884" y="-4645"/>
+                  <a:pt x="2782024" y="22929"/>
+                  <a:pt x="3021178" y="0"/>
+                </a:cubicBezTo>
+                <a:cubicBezTo>
+                  <a:pt x="3260332" y="-22929"/>
+                  <a:pt x="3456982" y="-1586"/>
+                  <a:pt x="3750869" y="0"/>
+                </a:cubicBezTo>
+                <a:cubicBezTo>
+                  <a:pt x="4044756" y="1586"/>
+                  <a:pt x="4302726" y="17043"/>
+                  <a:pt x="4480560" y="0"/>
+                </a:cubicBezTo>
+                <a:cubicBezTo>
+                  <a:pt x="4479674" y="5429"/>
+                  <a:pt x="4481381" y="14046"/>
+                  <a:pt x="4480560" y="18288"/>
+                </a:cubicBezTo>
+                <a:cubicBezTo>
+                  <a:pt x="4279652" y="-6850"/>
+                  <a:pt x="4200762" y="41566"/>
+                  <a:pt x="3930091" y="18288"/>
+                </a:cubicBezTo>
+                <a:cubicBezTo>
+                  <a:pt x="3659420" y="-4990"/>
+                  <a:pt x="3456052" y="22294"/>
+                  <a:pt x="3290011" y="18288"/>
+                </a:cubicBezTo>
+                <a:cubicBezTo>
+                  <a:pt x="3123970" y="14282"/>
+                  <a:pt x="2882392" y="32818"/>
+                  <a:pt x="2649931" y="18288"/>
+                </a:cubicBezTo>
+                <a:cubicBezTo>
+                  <a:pt x="2417470" y="3758"/>
+                  <a:pt x="2238426" y="7337"/>
+                  <a:pt x="2054657" y="18288"/>
+                </a:cubicBezTo>
+                <a:cubicBezTo>
+                  <a:pt x="1870888" y="29239"/>
+                  <a:pt x="1566368" y="45040"/>
+                  <a:pt x="1324966" y="18288"/>
+                </a:cubicBezTo>
+                <a:cubicBezTo>
+                  <a:pt x="1083564" y="-8464"/>
+                  <a:pt x="787410" y="10946"/>
+                  <a:pt x="595274" y="18288"/>
+                </a:cubicBezTo>
+                <a:cubicBezTo>
+                  <a:pt x="403138" y="25630"/>
+                  <a:pt x="169622" y="10499"/>
+                  <a:pt x="0" y="18288"/>
+                </a:cubicBezTo>
+                <a:cubicBezTo>
+                  <a:pt x="668" y="13665"/>
+                  <a:pt x="578" y="5675"/>
+                  <a:pt x="0" y="0"/>
+                </a:cubicBezTo>
+                <a:close/>
+              </a:path>
+            </a:pathLst>
+          </a:custGeom>
+          <a:solidFill>
+            <a:schemeClr val="accent2"/>
+          </a:solidFill>
+          <a:ln w="41275" cap="rnd">
+            <a:solidFill>
+              <a:schemeClr val="accent2"/>
+            </a:solidFill>
+            <a:round/>
+            <a:extLst>
+              <a:ext uri="{C807C97D-BFC1-408E-A445-0C87EB9F89A2}">
+                <ask:lineSketchStyleProps xmlns:ask="http://schemas.microsoft.com/office/drawing/2018/sketchyshapes" sd="1219033472">
+                  <a:prstGeom prst="rect">
+                    <a:avLst/>
+                  </a:prstGeom>
+                  <ask:type>
+                    <ask:lineSketchFreehand/>
+                  </ask:type>
+                </ask:lineSketchStyleProps>
+              </a:ext>
+            </a:extLst>
+          </a:ln>
+        </p:spPr>
+        <p:style>
+          <a:lnRef idx="2">
+            <a:schemeClr val="accent1">
+              <a:shade val="50000"/>
+            </a:schemeClr>
+          </a:lnRef>
+          <a:fillRef idx="1">
+            <a:schemeClr val="accent1"/>
+          </a:fillRef>
+          <a:effectRef idx="0">
+            <a:schemeClr val="accent1"/>
+          </a:effectRef>
+          <a:fontRef idx="minor">
+            <a:schemeClr val="lt1"/>
+          </a:fontRef>
+        </p:style>
+        <p:txBody>
+          <a:bodyPr rtlCol="0" anchor="ctr"/>
+          <a:lstStyle/>
+          <a:p>
+            <a:pPr algn="ctr"/>
+            <a:endParaRPr lang="en-US"/>
+          </a:p>
+        </p:txBody>
+      </p:sp>
+      <p:sp>
+        <p:nvSpPr>
+          <p:cNvPr id="3" name="Content Placeholder 2">
+            <a:extLst>
+              <a:ext uri="{FF2B5EF4-FFF2-40B4-BE49-F238E27FC236}">
+                <a16:creationId xmlns:a16="http://schemas.microsoft.com/office/drawing/2014/main" id="{D78CA2FB-15F7-4197-812F-4578E6CB983B}"/>
+              </a:ext>
+            </a:extLst>
+          </p:cNvPr>
+          <p:cNvSpPr>
+            <a:spLocks noGrp="1"/>
+          </p:cNvSpPr>
+          <p:nvPr>
+            <p:ph idx="1"/>
+          </p:nvPr>
+        </p:nvSpPr>
+        <p:spPr>
+          <a:xfrm>
+            <a:off x="5126418" y="552091"/>
+            <a:ext cx="6224335" cy="5431536"/>
+          </a:xfrm>
+        </p:spPr>
+        <p:txBody>
+          <a:bodyPr anchor="ctr">
+            <a:normAutofit/>
+          </a:bodyPr>
+          <a:lstStyle/>
+          <a:p>
+            <a:r>
+              <a:rPr lang="en-US" sz="2200" dirty="0" err="1">
+                <a:highlight>
+                  <a:srgbClr val="FFFF00"/>
+                </a:highlight>
+              </a:rPr>
+              <a:t>useState</a:t>
+            </a:r>
+            <a:r>
+              <a:rPr lang="en-US" sz="2200" dirty="0"/>
+              <a:t> have two variables , one variable is used for </a:t>
+            </a:r>
+            <a:r>
+              <a:rPr lang="en-US" sz="2200" dirty="0">
+                <a:highlight>
+                  <a:srgbClr val="FFFF00"/>
+                </a:highlight>
+              </a:rPr>
+              <a:t>get</a:t>
+            </a:r>
+            <a:r>
+              <a:rPr lang="en-US" sz="2200" dirty="0"/>
+              <a:t> the value  and other is used for </a:t>
+            </a:r>
+            <a:r>
+              <a:rPr lang="en-US" sz="2200" dirty="0">
+                <a:highlight>
+                  <a:srgbClr val="FFFF00"/>
+                </a:highlight>
+              </a:rPr>
+              <a:t>set</a:t>
+            </a:r>
+            <a:r>
+              <a:rPr lang="en-US" sz="2200" dirty="0"/>
+              <a:t> the value  check Line no.5 in which count and </a:t>
+            </a:r>
+            <a:r>
+              <a:rPr lang="en-US" sz="2200" dirty="0" err="1"/>
+              <a:t>setcount</a:t>
+            </a:r>
+            <a:r>
+              <a:rPr lang="en-US" sz="2200" dirty="0"/>
+              <a:t> variables are declared for </a:t>
+            </a:r>
+            <a:r>
+              <a:rPr lang="en-US" sz="2200" dirty="0" err="1"/>
+              <a:t>useState</a:t>
+            </a:r>
+            <a:r>
+              <a:rPr lang="en-US" sz="2200" dirty="0"/>
+              <a:t> </a:t>
+            </a:r>
+          </a:p>
+          <a:p>
+            <a:r>
+              <a:rPr lang="en-US" sz="2200" dirty="0"/>
+              <a:t>The Initial value in </a:t>
+            </a:r>
+            <a:r>
+              <a:rPr lang="en-US" sz="2200" dirty="0" err="1"/>
+              <a:t>useState</a:t>
+            </a:r>
+            <a:r>
+              <a:rPr lang="en-US" sz="2200" dirty="0"/>
+              <a:t>(2) is given as 2 </a:t>
+            </a:r>
+          </a:p>
+          <a:p>
+            <a:r>
+              <a:rPr lang="en-US" sz="2200" dirty="0"/>
+              <a:t>If we want to update the state we will change the value of </a:t>
+            </a:r>
+            <a:r>
+              <a:rPr lang="en-US" sz="2200" dirty="0" err="1"/>
+              <a:t>setcount</a:t>
+            </a:r>
+            <a:r>
+              <a:rPr lang="en-US" sz="2200" dirty="0"/>
+              <a:t>(3) and pass parameter of 3 # check line 11.</a:t>
+            </a:r>
+          </a:p>
+          <a:p>
+            <a:r>
+              <a:rPr lang="en-US" sz="2200" dirty="0"/>
+              <a:t>We can pass variable in </a:t>
+            </a:r>
+            <a:r>
+              <a:rPr lang="en-US" sz="2200" dirty="0" err="1"/>
+              <a:t>setcount</a:t>
+            </a:r>
+            <a:r>
+              <a:rPr lang="en-US" sz="2200" dirty="0"/>
+              <a:t> as </a:t>
+            </a:r>
+            <a:r>
+              <a:rPr lang="en-US" sz="2200" dirty="0" err="1">
+                <a:highlight>
+                  <a:srgbClr val="FFFF00"/>
+                </a:highlight>
+              </a:rPr>
+              <a:t>setcount</a:t>
+            </a:r>
+            <a:r>
+              <a:rPr lang="en-US" sz="2200" dirty="0">
+                <a:highlight>
+                  <a:srgbClr val="FFFF00"/>
+                </a:highlight>
+              </a:rPr>
+              <a:t>(count+1) </a:t>
+            </a:r>
+            <a:r>
+              <a:rPr lang="en-US" sz="2200" dirty="0"/>
+              <a:t>so value will increase on button click </a:t>
+            </a:r>
+          </a:p>
+          <a:p>
+            <a:r>
+              <a:rPr lang="en-US" sz="2200" dirty="0"/>
+              <a:t>We can use post increment as </a:t>
+            </a:r>
+            <a:r>
+              <a:rPr lang="en-US" sz="2200" dirty="0">
+                <a:highlight>
+                  <a:srgbClr val="FFFF00"/>
+                </a:highlight>
+              </a:rPr>
+              <a:t>count++ </a:t>
+            </a:r>
+          </a:p>
+          <a:p>
+            <a:r>
+              <a:rPr lang="en-US" sz="2200" dirty="0"/>
+              <a:t>And pre increment as well </a:t>
+            </a:r>
+            <a:r>
+              <a:rPr lang="en-US" sz="2200" dirty="0">
+                <a:highlight>
+                  <a:srgbClr val="FFFF00"/>
+                </a:highlight>
+              </a:rPr>
+              <a:t>++count </a:t>
+            </a:r>
+            <a:r>
+              <a:rPr lang="en-US" sz="2200" dirty="0"/>
+              <a:t>as variable inside </a:t>
+            </a:r>
+            <a:r>
+              <a:rPr lang="en-US" sz="2200" dirty="0" err="1"/>
+              <a:t>setcout</a:t>
+            </a:r>
+            <a:r>
+              <a:rPr lang="en-US" sz="2200" dirty="0"/>
+              <a:t>() </a:t>
+            </a:r>
+          </a:p>
+        </p:txBody>
+      </p:sp>
+      <p:pic>
+        <p:nvPicPr>
+          <p:cNvPr id="5" name="Picture 4">
+            <a:extLst>
+              <a:ext uri="{FF2B5EF4-FFF2-40B4-BE49-F238E27FC236}">
+                <a16:creationId xmlns:a16="http://schemas.microsoft.com/office/drawing/2014/main" id="{E54D521D-EE70-45BC-9016-B79DE8C09F8A}"/>
+              </a:ext>
+            </a:extLst>
+          </p:cNvPr>
+          <p:cNvPicPr>
+            <a:picLocks noChangeAspect="1"/>
+          </p:cNvPicPr>
+          <p:nvPr/>
+        </p:nvPicPr>
+        <p:blipFill>
+          <a:blip r:embed="rId2"/>
+          <a:stretch>
+            <a:fillRect/>
+          </a:stretch>
+        </p:blipFill>
+        <p:spPr>
+          <a:xfrm>
+            <a:off x="410559" y="1386348"/>
+            <a:ext cx="4305300" cy="4121791"/>
+          </a:xfrm>
+          <a:prstGeom prst="rect">
+            <a:avLst/>
+          </a:prstGeom>
+        </p:spPr>
+      </p:pic>
+      <p:pic>
+        <p:nvPicPr>
+          <p:cNvPr id="9" name="Picture 8">
+            <a:extLst>
+              <a:ext uri="{FF2B5EF4-FFF2-40B4-BE49-F238E27FC236}">
+                <a16:creationId xmlns:a16="http://schemas.microsoft.com/office/drawing/2014/main" id="{DD1EC2F8-5C3F-4028-944C-801598128988}"/>
+              </a:ext>
+            </a:extLst>
+          </p:cNvPr>
+          <p:cNvPicPr>
+            <a:picLocks noChangeAspect="1"/>
+          </p:cNvPicPr>
+          <p:nvPr/>
+        </p:nvPicPr>
+        <p:blipFill>
+          <a:blip r:embed="rId3"/>
+          <a:stretch>
+            <a:fillRect/>
+          </a:stretch>
+        </p:blipFill>
+        <p:spPr>
+          <a:xfrm>
+            <a:off x="410559" y="1215129"/>
+            <a:ext cx="647700" cy="180975"/>
+          </a:xfrm>
+          <a:prstGeom prst="rect">
+            <a:avLst/>
+          </a:prstGeom>
+        </p:spPr>
+      </p:pic>
+    </p:spTree>
+    <p:extLst>
+      <p:ext uri="{BB962C8B-B14F-4D97-AF65-F5344CB8AC3E}">
+        <p14:creationId xmlns:p14="http://schemas.microsoft.com/office/powerpoint/2010/main" val="346752907"/>
+      </p:ext>
+    </p:extLst>
+  </p:cSld>
+  <p:clrMapOvr>
+    <a:masterClrMapping/>
+  </p:clrMapOvr>
+</p:sld>
+</file>
+
+<file path=ppt/slides/slide5.xml><?xml version="1.0" encoding="utf-8"?>
+<p:sld xmlns:a="http://schemas.openxmlformats.org/drawingml/2006/main" xmlns:r="http://schemas.openxmlformats.org/officeDocument/2006/relationships" xmlns:p="http://schemas.openxmlformats.org/presentationml/2006/main">
+  <p:cSld>
+    <p:spTree>
+      <p:nvGrpSpPr>
+        <p:cNvPr id="1" name=""/>
+        <p:cNvGrpSpPr/>
+        <p:nvPr/>
+      </p:nvGrpSpPr>
+      <p:grpSpPr>
+        <a:xfrm>
+          <a:off x="0" y="0"/>
+          <a:ext cx="0" cy="0"/>
+          <a:chOff x="0" y="0"/>
+          <a:chExt cx="0" cy="0"/>
+        </a:xfrm>
+      </p:grpSpPr>
+      <p:sp>
+        <p:nvSpPr>
+          <p:cNvPr id="2" name="Title 1">
+            <a:extLst>
+              <a:ext uri="{FF2B5EF4-FFF2-40B4-BE49-F238E27FC236}">
+                <a16:creationId xmlns:a16="http://schemas.microsoft.com/office/drawing/2014/main" id="{27CF92C3-56D6-4573-A254-63741E1210EF}"/>
+              </a:ext>
+            </a:extLst>
+          </p:cNvPr>
+          <p:cNvSpPr>
+            <a:spLocks noGrp="1"/>
+          </p:cNvSpPr>
+          <p:nvPr>
+            <p:ph type="title"/>
+          </p:nvPr>
+        </p:nvSpPr>
+        <p:spPr>
+          <a:xfrm>
+            <a:off x="185534" y="548639"/>
+            <a:ext cx="4940882" cy="6230265"/>
+          </a:xfrm>
+        </p:spPr>
+        <p:txBody>
+          <a:bodyPr>
+            <a:normAutofit/>
+          </a:bodyPr>
+          <a:lstStyle/>
+          <a:p>
+            <a:r>
+              <a:rPr lang="en-US" sz="5400" dirty="0"/>
+              <a:t>Using Props</a:t>
+            </a:r>
+            <a:br>
+              <a:rPr lang="en-US" sz="5400" dirty="0"/>
+            </a:br>
+            <a:br>
+              <a:rPr lang="en-US" sz="5400" dirty="0"/>
+            </a:br>
+            <a:br>
+              <a:rPr lang="en-US" sz="5400" dirty="0"/>
+            </a:br>
+            <a:br>
+              <a:rPr lang="en-US" sz="5400" dirty="0"/>
+            </a:br>
+            <a:br>
+              <a:rPr lang="en-US" sz="5400" dirty="0"/>
+            </a:br>
+            <a:br>
+              <a:rPr lang="en-US" sz="5400" dirty="0"/>
+            </a:br>
+            <a:br>
+              <a:rPr lang="en-US" sz="5400" dirty="0"/>
+            </a:br>
+            <a:endParaRPr lang="en-US" sz="5400" dirty="0"/>
+          </a:p>
+        </p:txBody>
+      </p:sp>
+      <p:sp>
+        <p:nvSpPr>
+          <p:cNvPr id="3" name="Content Placeholder 2">
+            <a:extLst>
+              <a:ext uri="{FF2B5EF4-FFF2-40B4-BE49-F238E27FC236}">
+                <a16:creationId xmlns:a16="http://schemas.microsoft.com/office/drawing/2014/main" id="{D78CA2FB-15F7-4197-812F-4578E6CB983B}"/>
+              </a:ext>
+            </a:extLst>
+          </p:cNvPr>
+          <p:cNvSpPr>
+            <a:spLocks noGrp="1"/>
+          </p:cNvSpPr>
+          <p:nvPr>
+            <p:ph idx="1"/>
+          </p:nvPr>
+        </p:nvSpPr>
+        <p:spPr>
+          <a:xfrm>
+            <a:off x="5126418" y="552091"/>
+            <a:ext cx="6569053" cy="5431536"/>
+          </a:xfrm>
+        </p:spPr>
+        <p:txBody>
+          <a:bodyPr anchor="ctr">
+            <a:normAutofit/>
+          </a:bodyPr>
+          <a:lstStyle/>
+          <a:p>
+            <a:r>
+              <a:rPr lang="en-US" sz="2400" dirty="0"/>
+              <a:t>“</a:t>
+            </a:r>
+            <a:r>
+              <a:rPr lang="en-US" sz="2400" b="1" dirty="0"/>
+              <a:t>Props</a:t>
+            </a:r>
+            <a:r>
+              <a:rPr lang="en-US" sz="2400" dirty="0"/>
+              <a:t>” is a special keyword in </a:t>
+            </a:r>
+            <a:r>
+              <a:rPr lang="en-US" sz="2400" b="1" dirty="0"/>
+              <a:t>React</a:t>
+            </a:r>
+            <a:r>
+              <a:rPr lang="en-US" sz="2400" dirty="0"/>
+              <a:t>, which stands for properties and is being used for passing data from one component to another. But the important part here is that data with </a:t>
+            </a:r>
+            <a:r>
+              <a:rPr lang="en-US" sz="2400" b="1" dirty="0"/>
+              <a:t>props</a:t>
+            </a:r>
+            <a:r>
+              <a:rPr lang="en-US" sz="2400" dirty="0"/>
+              <a:t> are being passed in a </a:t>
+            </a:r>
+            <a:r>
+              <a:rPr lang="en-US" sz="2400" dirty="0" err="1"/>
+              <a:t>uni</a:t>
+            </a:r>
+            <a:r>
+              <a:rPr lang="en-US" sz="2400" dirty="0"/>
+              <a:t>-directional flow. ( one way from parent to child)</a:t>
+            </a:r>
+          </a:p>
+          <a:p>
+            <a:r>
+              <a:rPr lang="en-US" sz="2400" dirty="0"/>
+              <a:t>A child Named as Message.js is created and a function message(props) is created check line 3</a:t>
+            </a:r>
+          </a:p>
+          <a:p>
+            <a:r>
+              <a:rPr lang="en-US" sz="2400" dirty="0"/>
+              <a:t>The property is used in line 5 </a:t>
+            </a:r>
+          </a:p>
+          <a:p>
+            <a:endParaRPr lang="en-US" sz="2200" dirty="0"/>
+          </a:p>
+        </p:txBody>
+      </p:sp>
+      <p:pic>
+        <p:nvPicPr>
+          <p:cNvPr id="7" name="Picture 6">
+            <a:extLst>
+              <a:ext uri="{FF2B5EF4-FFF2-40B4-BE49-F238E27FC236}">
+                <a16:creationId xmlns:a16="http://schemas.microsoft.com/office/drawing/2014/main" id="{35F8E5B1-7C58-444E-941B-6A54647E3EE2}"/>
+              </a:ext>
+            </a:extLst>
+          </p:cNvPr>
+          <p:cNvPicPr>
+            <a:picLocks noChangeAspect="1"/>
+          </p:cNvPicPr>
+          <p:nvPr/>
+        </p:nvPicPr>
+        <p:blipFill>
+          <a:blip r:embed="rId2"/>
+          <a:stretch>
+            <a:fillRect/>
+          </a:stretch>
+        </p:blipFill>
+        <p:spPr>
+          <a:xfrm>
+            <a:off x="185535" y="1622145"/>
+            <a:ext cx="4940883" cy="2007893"/>
+          </a:xfrm>
+          <a:prstGeom prst="rect">
+            <a:avLst/>
+          </a:prstGeom>
+        </p:spPr>
+      </p:pic>
+      <p:pic>
+        <p:nvPicPr>
+          <p:cNvPr id="4" name="Picture 3">
+            <a:extLst>
+              <a:ext uri="{FF2B5EF4-FFF2-40B4-BE49-F238E27FC236}">
+                <a16:creationId xmlns:a16="http://schemas.microsoft.com/office/drawing/2014/main" id="{6C89716B-030D-43AD-A7ED-0B1650446358}"/>
+              </a:ext>
+            </a:extLst>
+          </p:cNvPr>
+          <p:cNvPicPr>
+            <a:picLocks noChangeAspect="1"/>
+          </p:cNvPicPr>
+          <p:nvPr/>
+        </p:nvPicPr>
+        <p:blipFill>
+          <a:blip r:embed="rId3"/>
+          <a:stretch>
+            <a:fillRect/>
+          </a:stretch>
+        </p:blipFill>
+        <p:spPr>
+          <a:xfrm>
+            <a:off x="185535" y="3825537"/>
+            <a:ext cx="4940882" cy="3032463"/>
+          </a:xfrm>
+          <a:prstGeom prst="rect">
+            <a:avLst/>
+          </a:prstGeom>
+        </p:spPr>
+      </p:pic>
+      <p:pic>
+        <p:nvPicPr>
+          <p:cNvPr id="6" name="Picture 5">
+            <a:extLst>
+              <a:ext uri="{FF2B5EF4-FFF2-40B4-BE49-F238E27FC236}">
+                <a16:creationId xmlns:a16="http://schemas.microsoft.com/office/drawing/2014/main" id="{3DBE7EBC-B21B-4653-8539-1D9212DACEF1}"/>
+              </a:ext>
+            </a:extLst>
+          </p:cNvPr>
+          <p:cNvPicPr>
+            <a:picLocks noChangeAspect="1"/>
+          </p:cNvPicPr>
+          <p:nvPr/>
+        </p:nvPicPr>
+        <p:blipFill>
+          <a:blip r:embed="rId4"/>
+          <a:stretch>
+            <a:fillRect/>
+          </a:stretch>
+        </p:blipFill>
+        <p:spPr>
+          <a:xfrm>
+            <a:off x="185532" y="1412595"/>
+            <a:ext cx="828675" cy="209550"/>
+          </a:xfrm>
+          <a:prstGeom prst="rect">
+            <a:avLst/>
+          </a:prstGeom>
+        </p:spPr>
+      </p:pic>
+      <p:pic>
+        <p:nvPicPr>
+          <p:cNvPr id="9" name="Picture 8">
+            <a:extLst>
+              <a:ext uri="{FF2B5EF4-FFF2-40B4-BE49-F238E27FC236}">
+                <a16:creationId xmlns:a16="http://schemas.microsoft.com/office/drawing/2014/main" id="{9CDA2390-5D0C-49DA-960A-3657CD0E5655}"/>
+              </a:ext>
+            </a:extLst>
+          </p:cNvPr>
+          <p:cNvPicPr>
+            <a:picLocks noChangeAspect="1"/>
+          </p:cNvPicPr>
+          <p:nvPr/>
+        </p:nvPicPr>
+        <p:blipFill>
+          <a:blip r:embed="rId5"/>
+          <a:stretch>
+            <a:fillRect/>
+          </a:stretch>
+        </p:blipFill>
+        <p:spPr>
+          <a:xfrm>
+            <a:off x="200280" y="3645864"/>
+            <a:ext cx="647700" cy="180975"/>
+          </a:xfrm>
+          <a:prstGeom prst="rect">
+            <a:avLst/>
+          </a:prstGeom>
+        </p:spPr>
+      </p:pic>
+    </p:spTree>
+    <p:extLst>
+      <p:ext uri="{BB962C8B-B14F-4D97-AF65-F5344CB8AC3E}">
+        <p14:creationId xmlns:p14="http://schemas.microsoft.com/office/powerpoint/2010/main" val="695628393"/>
+      </p:ext>
+    </p:extLst>
+  </p:cSld>
+  <p:clrMapOvr>
+    <a:masterClrMapping/>
+  </p:clrMapOvr>
+</p:sld>
+</file>
+
+<file path=ppt/slides/slide6.xml><?xml version="1.0" encoding="utf-8"?>
+<p:sld xmlns:a="http://schemas.openxmlformats.org/drawingml/2006/main" xmlns:r="http://schemas.openxmlformats.org/officeDocument/2006/relationships" xmlns:p="http://schemas.openxmlformats.org/presentationml/2006/main">
+  <p:cSld>
+    <p:spTree>
+      <p:nvGrpSpPr>
+        <p:cNvPr id="1" name=""/>
+        <p:cNvGrpSpPr/>
+        <p:nvPr/>
+      </p:nvGrpSpPr>
+      <p:grpSpPr>
+        <a:xfrm>
+          <a:off x="0" y="0"/>
+          <a:ext cx="0" cy="0"/>
+          <a:chOff x="0" y="0"/>
+          <a:chExt cx="0" cy="0"/>
+        </a:xfrm>
+      </p:grpSpPr>
+      <p:sp>
+        <p:nvSpPr>
+          <p:cNvPr id="2" name="Title 1">
+            <a:extLst>
+              <a:ext uri="{FF2B5EF4-FFF2-40B4-BE49-F238E27FC236}">
+                <a16:creationId xmlns:a16="http://schemas.microsoft.com/office/drawing/2014/main" id="{A51CB560-F761-40EE-A2DA-995EC7C912B8}"/>
+              </a:ext>
+            </a:extLst>
+          </p:cNvPr>
+          <p:cNvSpPr>
+            <a:spLocks noGrp="1"/>
+          </p:cNvSpPr>
+          <p:nvPr>
+            <p:ph type="title"/>
+          </p:nvPr>
+        </p:nvSpPr>
+        <p:spPr/>
+        <p:txBody>
+          <a:bodyPr/>
+          <a:lstStyle/>
+          <a:p>
+            <a:r>
+              <a:rPr lang="en-US" dirty="0"/>
+              <a:t>Difference between Export and Export Default</a:t>
+            </a:r>
+          </a:p>
+        </p:txBody>
+      </p:sp>
+      <p:sp>
+        <p:nvSpPr>
+          <p:cNvPr id="3" name="Content Placeholder 2">
+            <a:extLst>
+              <a:ext uri="{FF2B5EF4-FFF2-40B4-BE49-F238E27FC236}">
+                <a16:creationId xmlns:a16="http://schemas.microsoft.com/office/drawing/2014/main" id="{AAF97D7B-3411-4909-ADF4-BA3734AB4812}"/>
+              </a:ext>
+            </a:extLst>
+          </p:cNvPr>
+          <p:cNvSpPr>
+            <a:spLocks noGrp="1"/>
+          </p:cNvSpPr>
+          <p:nvPr>
+            <p:ph idx="1"/>
+          </p:nvPr>
+        </p:nvSpPr>
+        <p:spPr/>
+        <p:txBody>
+          <a:bodyPr>
+            <a:normAutofit fontScale="70000" lnSpcReduction="20000"/>
+          </a:bodyPr>
+          <a:lstStyle/>
+          <a:p>
+            <a:r>
+              <a:rPr lang="en-US" dirty="0"/>
+              <a:t>Every function of a class must be export default and called in another class by import that class and a function </a:t>
+            </a:r>
+          </a:p>
+          <a:p>
+            <a:r>
+              <a:rPr lang="en-US" dirty="0"/>
+              <a:t>In this case we use export default App</a:t>
+            </a:r>
+          </a:p>
+          <a:p>
+            <a:pPr lvl="1"/>
+            <a:r>
+              <a:rPr lang="en-US" dirty="0"/>
+              <a:t>In App.js Module </a:t>
+            </a:r>
+          </a:p>
+          <a:p>
+            <a:pPr lvl="2"/>
+            <a:r>
+              <a:rPr lang="en-US" dirty="0">
+                <a:solidFill>
+                  <a:srgbClr val="7030A0"/>
+                </a:solidFill>
+              </a:rPr>
+              <a:t>function App() {   return ( &lt;div &gt;      This is first react project - 01     &lt;/div&gt;  ); }</a:t>
+            </a:r>
+          </a:p>
+          <a:p>
+            <a:pPr lvl="2"/>
+            <a:r>
+              <a:rPr lang="en-US" dirty="0">
+                <a:solidFill>
+                  <a:srgbClr val="7030A0"/>
+                </a:solidFill>
+                <a:highlight>
+                  <a:srgbClr val="FFFF00"/>
+                </a:highlight>
+              </a:rPr>
+              <a:t>export default App</a:t>
+            </a:r>
+            <a:r>
+              <a:rPr lang="en-US" dirty="0">
+                <a:solidFill>
+                  <a:srgbClr val="7030A0"/>
+                </a:solidFill>
+              </a:rPr>
+              <a:t>;</a:t>
+            </a:r>
+          </a:p>
+          <a:p>
+            <a:pPr lvl="1"/>
+            <a:r>
+              <a:rPr lang="en-US" dirty="0"/>
+              <a:t>How App is imported from, App.js Module in another DOM</a:t>
+            </a:r>
+          </a:p>
+          <a:p>
+            <a:pPr lvl="2"/>
+            <a:r>
+              <a:rPr lang="en-US" dirty="0">
+                <a:solidFill>
+                  <a:srgbClr val="7030A0"/>
+                </a:solidFill>
+              </a:rPr>
+              <a:t>import </a:t>
+            </a:r>
+            <a:r>
+              <a:rPr lang="en-US" dirty="0">
+                <a:solidFill>
+                  <a:srgbClr val="7030A0"/>
+                </a:solidFill>
+                <a:highlight>
+                  <a:srgbClr val="FFFF00"/>
+                </a:highlight>
+              </a:rPr>
+              <a:t>App from './App';</a:t>
+            </a:r>
+          </a:p>
+          <a:p>
+            <a:pPr lvl="2"/>
+            <a:r>
+              <a:rPr lang="en-US" dirty="0">
+                <a:solidFill>
+                  <a:srgbClr val="7030A0"/>
+                </a:solidFill>
+              </a:rPr>
+              <a:t>import </a:t>
+            </a:r>
+            <a:r>
+              <a:rPr lang="en-US" dirty="0" err="1">
+                <a:solidFill>
+                  <a:srgbClr val="7030A0"/>
+                </a:solidFill>
+              </a:rPr>
+              <a:t>reportWebVitals</a:t>
+            </a:r>
+            <a:r>
+              <a:rPr lang="en-US" dirty="0">
+                <a:solidFill>
+                  <a:srgbClr val="7030A0"/>
+                </a:solidFill>
+              </a:rPr>
+              <a:t> from './</a:t>
+            </a:r>
+            <a:r>
+              <a:rPr lang="en-US" dirty="0" err="1">
+                <a:solidFill>
+                  <a:srgbClr val="7030A0"/>
+                </a:solidFill>
+              </a:rPr>
+              <a:t>reportWebVitals</a:t>
+            </a:r>
+            <a:r>
+              <a:rPr lang="en-US" dirty="0">
+                <a:solidFill>
+                  <a:srgbClr val="7030A0"/>
+                </a:solidFill>
+              </a:rPr>
+              <a:t>';</a:t>
+            </a:r>
+          </a:p>
+          <a:p>
+            <a:pPr lvl="2"/>
+            <a:r>
+              <a:rPr lang="en-US" sz="1600" dirty="0" err="1">
+                <a:solidFill>
+                  <a:srgbClr val="7030A0"/>
+                </a:solidFill>
+              </a:rPr>
+              <a:t>ReactDOM.render</a:t>
+            </a:r>
+            <a:r>
+              <a:rPr lang="en-US" sz="1600" dirty="0">
+                <a:solidFill>
+                  <a:srgbClr val="7030A0"/>
+                </a:solidFill>
+              </a:rPr>
+              <a:t>( &lt;</a:t>
+            </a:r>
+            <a:r>
+              <a:rPr lang="en-US" sz="1600" dirty="0" err="1">
+                <a:solidFill>
+                  <a:srgbClr val="7030A0"/>
+                </a:solidFill>
+              </a:rPr>
+              <a:t>React.StrictMode</a:t>
+            </a:r>
+            <a:r>
+              <a:rPr lang="en-US" sz="1600" dirty="0">
+                <a:solidFill>
+                  <a:srgbClr val="7030A0"/>
+                </a:solidFill>
+              </a:rPr>
+              <a:t>&gt;  </a:t>
+            </a:r>
+            <a:r>
+              <a:rPr lang="en-US" sz="1600" dirty="0">
+                <a:solidFill>
+                  <a:srgbClr val="7030A0"/>
+                </a:solidFill>
+                <a:highlight>
+                  <a:srgbClr val="FFFF00"/>
+                </a:highlight>
+              </a:rPr>
+              <a:t> &lt;App /&gt;</a:t>
+            </a:r>
+            <a:r>
+              <a:rPr lang="en-US" sz="1600" dirty="0">
+                <a:solidFill>
+                  <a:srgbClr val="7030A0"/>
+                </a:solidFill>
+              </a:rPr>
+              <a:t>  &lt;/</a:t>
+            </a:r>
+            <a:r>
+              <a:rPr lang="en-US" sz="1600" dirty="0" err="1">
+                <a:solidFill>
+                  <a:srgbClr val="7030A0"/>
+                </a:solidFill>
+              </a:rPr>
+              <a:t>React.StrictMode</a:t>
+            </a:r>
+            <a:r>
+              <a:rPr lang="en-US" sz="1600" dirty="0">
+                <a:solidFill>
+                  <a:srgbClr val="7030A0"/>
+                </a:solidFill>
+              </a:rPr>
+              <a:t>&gt;,  </a:t>
+            </a:r>
+            <a:r>
+              <a:rPr lang="en-US" sz="1600" dirty="0" err="1">
+                <a:solidFill>
+                  <a:srgbClr val="7030A0"/>
+                </a:solidFill>
+              </a:rPr>
+              <a:t>document.getElementById</a:t>
+            </a:r>
+            <a:r>
+              <a:rPr lang="en-US" sz="1600" dirty="0">
+                <a:solidFill>
+                  <a:srgbClr val="7030A0"/>
+                </a:solidFill>
+              </a:rPr>
+              <a:t>('root’) );</a:t>
+            </a:r>
+          </a:p>
+          <a:p>
+            <a:r>
+              <a:rPr lang="en-US" dirty="0"/>
+              <a:t>If we use simple export keyword then we must use {} braces to call a function</a:t>
+            </a:r>
+          </a:p>
+          <a:p>
+            <a:pPr lvl="1"/>
+            <a:r>
+              <a:rPr lang="en-US" dirty="0"/>
+              <a:t>In App.js Module </a:t>
+            </a:r>
+          </a:p>
+          <a:p>
+            <a:pPr lvl="2"/>
+            <a:r>
+              <a:rPr lang="en-US" dirty="0">
+                <a:solidFill>
+                  <a:srgbClr val="7030A0"/>
+                </a:solidFill>
+              </a:rPr>
+              <a:t>Export function App() {   return ( &lt;div &gt;      This is first react project - 01     &lt;/div&gt;  ); }</a:t>
+            </a:r>
+          </a:p>
+          <a:p>
+            <a:pPr lvl="1"/>
+            <a:r>
+              <a:rPr lang="en-US" dirty="0"/>
+              <a:t>How App function is imported in App.js Module </a:t>
+            </a:r>
+          </a:p>
+          <a:p>
+            <a:pPr lvl="1"/>
+            <a:r>
+              <a:rPr lang="en-US" dirty="0">
+                <a:solidFill>
+                  <a:srgbClr val="7030A0"/>
+                </a:solidFill>
+              </a:rPr>
+              <a:t>import {</a:t>
+            </a:r>
+            <a:r>
+              <a:rPr lang="en-US" dirty="0">
+                <a:solidFill>
+                  <a:srgbClr val="7030A0"/>
+                </a:solidFill>
+                <a:highlight>
+                  <a:srgbClr val="FFFF00"/>
+                </a:highlight>
+              </a:rPr>
+              <a:t>App} from './App’;</a:t>
+            </a:r>
+          </a:p>
+          <a:p>
+            <a:pPr lvl="1"/>
+            <a:endParaRPr lang="en-US" dirty="0"/>
+          </a:p>
+          <a:p>
+            <a:pPr lvl="8"/>
+            <a:r>
+              <a:rPr lang="en-US" dirty="0"/>
+              <a:t>Both Key Words have this kind of difference if simple export is used than {} are used in import</a:t>
+            </a:r>
+            <a:br>
+              <a:rPr lang="en-US" dirty="0"/>
+            </a:br>
+            <a:endParaRPr lang="en-US" dirty="0"/>
+          </a:p>
+          <a:p>
+            <a:pPr lvl="2"/>
+            <a:endParaRPr lang="en-US" dirty="0"/>
+          </a:p>
+        </p:txBody>
+      </p:sp>
+    </p:spTree>
+    <p:extLst>
+      <p:ext uri="{BB962C8B-B14F-4D97-AF65-F5344CB8AC3E}">
+        <p14:creationId xmlns:p14="http://schemas.microsoft.com/office/powerpoint/2010/main" val="2977058432"/>
       </p:ext>
     </p:extLst>
   </p:cSld>
